--- a/発表資料/ゼミ資料(サブセットと損失関数).pptx
+++ b/発表資料/ゼミ資料(サブセットと損失関数).pptx
@@ -203,7 +203,7 @@
           <a:p>
             <a:fld id="{D7BEEBC3-E73B-4C7A-8A9B-630A45928F96}" type="datetimeFigureOut">
               <a:rPr kumimoji="1" lang="ja-JP" altLang="en-US" smtClean="0"/>
-              <a:t>2025/7/5</a:t>
+              <a:t>2025/7/6</a:t>
             </a:fld>
             <a:endParaRPr kumimoji="1" lang="ja-JP" altLang="en-US"/>
           </a:p>
@@ -1644,8 +1644,8 @@
         </p:nvSpPr>
         <p:spPr/>
       </p:sp>
-      <mc:AlternateContent xmlns:mc="http://schemas.openxmlformats.org/markup-compatibility/2006">
-        <mc:Choice xmlns:a14="http://schemas.microsoft.com/office/drawing/2010/main" Requires="a14">
+      <mc:AlternateContent xmlns:mc="http://schemas.openxmlformats.org/markup-compatibility/2006" xmlns:a14="http://schemas.microsoft.com/office/drawing/2010/main">
+        <mc:Choice Requires="a14">
           <p:sp>
             <p:nvSpPr>
               <p:cNvPr id="3" name="ノート プレースホルダー 2">
@@ -1765,7 +1765,7 @@
             </p:txBody>
           </p:sp>
         </mc:Choice>
-        <mc:Fallback>
+        <mc:Fallback xmlns="">
           <p:sp>
             <p:nvSpPr>
               <p:cNvPr id="3" name="ノート プレースホルダー 2">
@@ -2256,8 +2256,8 @@
         </p:nvSpPr>
         <p:spPr/>
       </p:sp>
-      <mc:AlternateContent xmlns:mc="http://schemas.openxmlformats.org/markup-compatibility/2006">
-        <mc:Choice xmlns:a14="http://schemas.microsoft.com/office/drawing/2010/main" Requires="a14">
+      <mc:AlternateContent xmlns:mc="http://schemas.openxmlformats.org/markup-compatibility/2006" xmlns:a14="http://schemas.microsoft.com/office/drawing/2010/main">
+        <mc:Choice Requires="a14">
           <p:sp>
             <p:nvSpPr>
               <p:cNvPr id="3" name="Notes Placeholder 2"/>
@@ -2375,7 +2375,7 @@
             </p:txBody>
           </p:sp>
         </mc:Choice>
-        <mc:Fallback>
+        <mc:Fallback xmlns="">
           <p:sp>
             <p:nvSpPr>
               <p:cNvPr id="3" name="Notes Placeholder 2"/>
@@ -2550,8 +2550,8 @@
         </p:nvSpPr>
         <p:spPr/>
       </p:sp>
-      <mc:AlternateContent xmlns:mc="http://schemas.openxmlformats.org/markup-compatibility/2006">
-        <mc:Choice xmlns:a14="http://schemas.microsoft.com/office/drawing/2010/main" Requires="a14">
+      <mc:AlternateContent xmlns:mc="http://schemas.openxmlformats.org/markup-compatibility/2006" xmlns:a14="http://schemas.microsoft.com/office/drawing/2010/main">
+        <mc:Choice Requires="a14">
           <p:sp>
             <p:nvSpPr>
               <p:cNvPr id="3" name="Notes Placeholder 2">
@@ -2659,19 +2659,7 @@
                       <a:rPr lang="ja-JP" altLang="en-US" i="1">
                         <a:latin typeface="Cambria Math" panose="02040503050406030204" pitchFamily="18" charset="0"/>
                       </a:rPr>
-                      <m:t>求め</m:t>
-                    </m:r>
-                    <m:r>
-                      <a:rPr lang="ja-JP" altLang="en-US" i="1">
-                        <a:latin typeface="Cambria Math" panose="02040503050406030204" pitchFamily="18" charset="0"/>
-                      </a:rPr>
-                      <m:t>ます</m:t>
-                    </m:r>
-                    <m:r>
-                      <a:rPr lang="ja-JP" altLang="en-US" i="1">
-                        <a:latin typeface="Cambria Math" panose="02040503050406030204" pitchFamily="18" charset="0"/>
-                      </a:rPr>
-                      <m:t>。</m:t>
+                      <m:t>求めます。</m:t>
                     </m:r>
                   </m:oMath>
                 </a14:m>
@@ -2823,7 +2811,7 @@
             </p:txBody>
           </p:sp>
         </mc:Choice>
-        <mc:Fallback>
+        <mc:Fallback xmlns="">
           <p:sp>
             <p:nvSpPr>
               <p:cNvPr id="3" name="Notes Placeholder 2">
@@ -3098,6 +3086,109 @@
             <a:endParaRPr kumimoji="1" lang="en-US" altLang="ja-JP" dirty="0"/>
           </a:p>
           <a:p>
+            <a:pPr marL="0" marR="0" lvl="0" indent="0" algn="l" defTabSz="914400" rtl="0" eaLnBrk="1" fontAlgn="auto" latinLnBrk="0" hangingPunct="1">
+              <a:lnSpc>
+                <a:spcPct val="100000"/>
+              </a:lnSpc>
+              <a:spcBef>
+                <a:spcPts val="0"/>
+              </a:spcBef>
+              <a:spcAft>
+                <a:spcPts val="0"/>
+              </a:spcAft>
+              <a:buClrTx/>
+              <a:buSzTx/>
+              <a:buFontTx/>
+              <a:buNone/>
+              <a:tabLst/>
+              <a:defRPr/>
+            </a:pPr>
+            <a:r>
+              <a:rPr kumimoji="1" lang="ja-JP" altLang="en-US" sz="1200" b="1" i="0" kern="1200" dirty="0">
+                <a:solidFill>
+                  <a:schemeClr val="tx1"/>
+                </a:solidFill>
+                <a:effectLst/>
+                <a:latin typeface="+mn-lt"/>
+                <a:ea typeface="+mn-ea"/>
+                <a:cs typeface="+mn-cs"/>
+              </a:rPr>
+              <a:t>目的は「偽陽性」を減らすことです。</a:t>
+            </a:r>
+            <a:endParaRPr kumimoji="1" lang="en-US" altLang="ja-JP" dirty="0"/>
+          </a:p>
+          <a:p>
+            <a:r>
+              <a:rPr kumimoji="1" lang="en-US" altLang="ja-JP" sz="1200" b="0" i="0" kern="1200" dirty="0">
+                <a:solidFill>
+                  <a:schemeClr val="tx1"/>
+                </a:solidFill>
+                <a:effectLst/>
+                <a:latin typeface="+mn-lt"/>
+                <a:ea typeface="+mn-ea"/>
+                <a:cs typeface="+mn-cs"/>
+              </a:rPr>
+              <a:t>s*</a:t>
+            </a:r>
+            <a:r>
+              <a:rPr kumimoji="1" lang="ja-JP" altLang="en-US" sz="1200" b="0" i="0" kern="1200" dirty="0">
+                <a:solidFill>
+                  <a:schemeClr val="tx1"/>
+                </a:solidFill>
+                <a:effectLst/>
+                <a:latin typeface="+mn-lt"/>
+                <a:ea typeface="+mn-ea"/>
+                <a:cs typeface="+mn-cs"/>
+              </a:rPr>
+              <a:t> だけだと、**「たまたま珍しい正常パターンに似ていた」</a:t>
+            </a:r>
+            <a:r>
+              <a:rPr kumimoji="1" lang="ja-JP" altLang="en-US" sz="1200" b="1" i="0" kern="1200" dirty="0">
+                <a:solidFill>
+                  <a:schemeClr val="tx1"/>
+                </a:solidFill>
+                <a:effectLst/>
+                <a:latin typeface="+mn-lt"/>
+                <a:ea typeface="+mn-ea"/>
+                <a:cs typeface="+mn-cs"/>
+              </a:rPr>
+              <a:t>のか</a:t>
+            </a:r>
+            <a:r>
+              <a:rPr kumimoji="1" lang="ja-JP" altLang="en-US" sz="1200" b="0" i="0" kern="1200" dirty="0">
+                <a:solidFill>
+                  <a:schemeClr val="tx1"/>
+                </a:solidFill>
+                <a:effectLst/>
+                <a:latin typeface="+mn-lt"/>
+                <a:ea typeface="+mn-ea"/>
+                <a:cs typeface="+mn-cs"/>
+              </a:rPr>
+              <a:t>「本当に異常なのか」**の区別がつきにくい場合があります</a:t>
+            </a:r>
+            <a:r>
+              <a:rPr kumimoji="1" lang="en-US" altLang="ja-JP" sz="1200" b="0" i="0" kern="1200" dirty="0">
+                <a:solidFill>
+                  <a:schemeClr val="tx1"/>
+                </a:solidFill>
+                <a:effectLst/>
+                <a:latin typeface="+mn-lt"/>
+                <a:ea typeface="+mn-ea"/>
+                <a:cs typeface="+mn-cs"/>
+              </a:rPr>
+              <a:t>.</a:t>
+            </a:r>
+            <a:endParaRPr kumimoji="1" lang="en-US" altLang="ja-JP" sz="1200" b="1" i="0" kern="1200" dirty="0">
+              <a:solidFill>
+                <a:schemeClr val="tx1"/>
+              </a:solidFill>
+              <a:effectLst/>
+              <a:latin typeface="+mn-lt"/>
+              <a:ea typeface="+mn-ea"/>
+              <a:cs typeface="+mn-cs"/>
+            </a:endParaRPr>
+          </a:p>
+          <a:p>
             <a:endParaRPr kumimoji="1" lang="en-US" altLang="ja-JP" dirty="0"/>
           </a:p>
           <a:p>
@@ -3111,124 +3202,863 @@
             <a:endParaRPr kumimoji="1" lang="en-US" altLang="ja-JP" dirty="0"/>
           </a:p>
           <a:p>
-            <a:r>
-              <a:rPr lang="en-US" altLang="ja-JP" dirty="0"/>
-              <a:t>m* </a:t>
-            </a:r>
-            <a:r>
-              <a:rPr lang="ja-JP" altLang="en-US" dirty="0"/>
-              <a:t>が孤立している →</a:t>
-            </a:r>
-            <a:r>
-              <a:rPr lang="en-US" altLang="ja-JP" dirty="0"/>
+            <a:pPr marL="0" marR="0" lvl="0" indent="0" algn="l" defTabSz="914400" rtl="0" eaLnBrk="1" fontAlgn="auto" latinLnBrk="0" hangingPunct="1">
+              <a:lnSpc>
+                <a:spcPct val="100000"/>
+              </a:lnSpc>
+              <a:spcBef>
+                <a:spcPts val="0"/>
+              </a:spcBef>
+              <a:spcAft>
+                <a:spcPts val="0"/>
+              </a:spcAft>
+              <a:buClrTx/>
+              <a:buSzTx/>
+              <a:buFontTx/>
+              <a:buNone/>
+              <a:tabLst/>
+              <a:defRPr/>
+            </a:pPr>
+            <a:r>
+              <a:rPr kumimoji="1" lang="en-US" altLang="ja-JP" sz="1200" b="0" i="0" kern="1200" dirty="0">
+                <a:solidFill>
+                  <a:schemeClr val="tx1"/>
+                </a:solidFill>
+                <a:effectLst/>
+                <a:latin typeface="+mn-lt"/>
+                <a:ea typeface="+mn-ea"/>
+                <a:cs typeface="+mn-cs"/>
+              </a:rPr>
+              <a:t>m*</a:t>
+            </a:r>
+            <a:r>
+              <a:rPr kumimoji="1" lang="ja-JP" altLang="en-US" sz="1200" b="0" i="0" kern="1200" dirty="0">
+                <a:solidFill>
+                  <a:schemeClr val="tx1"/>
+                </a:solidFill>
+                <a:effectLst/>
+                <a:latin typeface="+mn-lt"/>
+                <a:ea typeface="+mn-ea"/>
+                <a:cs typeface="+mn-cs"/>
+              </a:rPr>
+              <a:t> は </a:t>
+            </a:r>
+            <a:r>
+              <a:rPr kumimoji="1" lang="en-US" altLang="ja-JP" sz="1200" b="0" i="0" kern="1200" dirty="0" err="1">
+                <a:solidFill>
+                  <a:schemeClr val="tx1"/>
+                </a:solidFill>
+                <a:effectLst/>
+                <a:latin typeface="+mn-lt"/>
+                <a:ea typeface="+mn-ea"/>
+                <a:cs typeface="+mn-cs"/>
+              </a:rPr>
+              <a:t>m_test</a:t>
+            </a:r>
+            <a:r>
+              <a:rPr kumimoji="1" lang="en-US" altLang="ja-JP" sz="1200" b="0" i="0" kern="1200" dirty="0">
+                <a:solidFill>
+                  <a:schemeClr val="tx1"/>
+                </a:solidFill>
+                <a:effectLst/>
+                <a:latin typeface="+mn-lt"/>
+                <a:ea typeface="+mn-ea"/>
+                <a:cs typeface="+mn-cs"/>
+              </a:rPr>
+              <a:t>,*</a:t>
+            </a:r>
+            <a:r>
+              <a:rPr kumimoji="1" lang="ja-JP" altLang="en-US" sz="1200" b="0" i="0" kern="1200" dirty="0">
+                <a:solidFill>
+                  <a:schemeClr val="tx1"/>
+                </a:solidFill>
+                <a:effectLst/>
+                <a:latin typeface="+mn-lt"/>
+                <a:ea typeface="+mn-ea"/>
+                <a:cs typeface="+mn-cs"/>
+              </a:rPr>
+              <a:t> に一番近いので、この値は分母の中で一番小さくなる</a:t>
+            </a:r>
+            <a:endParaRPr kumimoji="1" lang="en-US" altLang="ja-JP" dirty="0"/>
+          </a:p>
+          <a:p>
+            <a:pPr marL="0" marR="0" lvl="0" indent="0" algn="l" defTabSz="914400" rtl="0" eaLnBrk="1" fontAlgn="auto" latinLnBrk="0" hangingPunct="1">
+              <a:lnSpc>
+                <a:spcPct val="100000"/>
+              </a:lnSpc>
+              <a:spcBef>
+                <a:spcPts val="0"/>
+              </a:spcBef>
+              <a:spcAft>
+                <a:spcPts val="0"/>
+              </a:spcAft>
+              <a:buClrTx/>
+              <a:buSzTx/>
+              <a:buFontTx/>
+              <a:buNone/>
+              <a:tabLst/>
+              <a:defRPr/>
+            </a:pPr>
+            <a:r>
+              <a:rPr kumimoji="1" lang="en-US" altLang="ja-JP" sz="1200" b="1" i="0" kern="1200" dirty="0">
+                <a:solidFill>
+                  <a:schemeClr val="tx1"/>
+                </a:solidFill>
+                <a:effectLst/>
+                <a:latin typeface="+mn-lt"/>
+                <a:ea typeface="+mn-ea"/>
+                <a:cs typeface="+mn-cs"/>
+              </a:rPr>
+              <a:t>“</a:t>
+            </a:r>
+            <a:r>
+              <a:rPr kumimoji="1" lang="ja-JP" altLang="en-US" sz="1200" b="1" i="0" kern="1200" dirty="0">
+                <a:solidFill>
+                  <a:schemeClr val="tx1"/>
+                </a:solidFill>
+                <a:effectLst/>
+                <a:latin typeface="+mn-lt"/>
+                <a:ea typeface="+mn-ea"/>
+                <a:cs typeface="+mn-cs"/>
+              </a:rPr>
+              <a:t>めったにないのだが正真正銘の正常パターン</a:t>
+            </a:r>
+            <a:r>
+              <a:rPr kumimoji="1" lang="en-US" altLang="ja-JP" sz="1200" b="1" i="0" kern="1200" dirty="0">
+                <a:solidFill>
+                  <a:schemeClr val="tx1"/>
+                </a:solidFill>
+                <a:effectLst/>
+                <a:latin typeface="+mn-lt"/>
+                <a:ea typeface="+mn-ea"/>
+                <a:cs typeface="+mn-cs"/>
+              </a:rPr>
+              <a:t>”  </a:t>
+            </a:r>
+            <a:r>
+              <a:rPr kumimoji="1" lang="ja-JP" altLang="en-US" sz="1200" b="1" i="0" kern="1200" dirty="0">
+                <a:solidFill>
+                  <a:schemeClr val="tx1"/>
+                </a:solidFill>
+                <a:effectLst/>
+                <a:latin typeface="+mn-lt"/>
+                <a:ea typeface="+mn-ea"/>
+                <a:cs typeface="+mn-cs"/>
+              </a:rPr>
+              <a:t>を見逃さないようにしたい。←そもそも、コアセットサブサンプリングでは「珍しい正常パターン」を、意図的にメモリバンクに残す</a:t>
+            </a:r>
+            <a:r>
+              <a:rPr kumimoji="1" lang="ja-JP" altLang="en-US" sz="1200" b="0" i="0" kern="1200" dirty="0">
+                <a:solidFill>
+                  <a:schemeClr val="tx1"/>
+                </a:solidFill>
+                <a:effectLst/>
+                <a:latin typeface="+mn-lt"/>
+                <a:ea typeface="+mn-ea"/>
+                <a:cs typeface="+mn-cs"/>
+              </a:rPr>
+              <a:t>ように設計してるから貢献が大きい。これが前提</a:t>
+            </a:r>
+            <a:endParaRPr kumimoji="1" lang="en-US" altLang="ja-JP" sz="1200" b="0" i="0" kern="1200" dirty="0">
+              <a:solidFill>
+                <a:schemeClr val="tx1"/>
+              </a:solidFill>
+              <a:effectLst/>
+              <a:latin typeface="+mn-lt"/>
+              <a:ea typeface="+mn-ea"/>
+              <a:cs typeface="+mn-cs"/>
+            </a:endParaRPr>
+          </a:p>
+          <a:p>
+            <a:pPr marL="0" marR="0" lvl="0" indent="0" algn="l" defTabSz="914400" rtl="0" eaLnBrk="1" fontAlgn="auto" latinLnBrk="0" hangingPunct="1">
+              <a:lnSpc>
+                <a:spcPct val="100000"/>
+              </a:lnSpc>
+              <a:spcBef>
+                <a:spcPts val="0"/>
+              </a:spcBef>
+              <a:spcAft>
+                <a:spcPts val="0"/>
+              </a:spcAft>
+              <a:buClrTx/>
+              <a:buSzTx/>
+              <a:buFontTx/>
+              <a:buNone/>
+              <a:tabLst/>
+              <a:defRPr/>
+            </a:pPr>
+            <a:r>
+              <a:rPr kumimoji="1" lang="ja-JP" altLang="en-US" sz="1200" b="1" i="0" kern="1200" dirty="0">
+                <a:solidFill>
+                  <a:schemeClr val="tx1"/>
+                </a:solidFill>
+                <a:effectLst/>
+                <a:latin typeface="+mn-lt"/>
+                <a:ea typeface="+mn-ea"/>
+                <a:cs typeface="+mn-cs"/>
+              </a:rPr>
+              <a:t>普遍的な正常パターン点に関しては数点だけ内包しておけば大体カバーできるよねって認識です。 </a:t>
+            </a:r>
+            <a:endParaRPr kumimoji="1" lang="en-US" altLang="ja-JP" sz="1200" b="1" i="0" kern="1200" dirty="0">
+              <a:solidFill>
+                <a:schemeClr val="tx1"/>
+              </a:solidFill>
+              <a:effectLst/>
+              <a:latin typeface="+mn-lt"/>
+              <a:ea typeface="+mn-ea"/>
+              <a:cs typeface="+mn-cs"/>
+            </a:endParaRPr>
+          </a:p>
+          <a:p>
+            <a:pPr marL="0" marR="0" lvl="0" indent="0" algn="l" defTabSz="914400" rtl="0" eaLnBrk="1" fontAlgn="auto" latinLnBrk="0" hangingPunct="1">
+              <a:lnSpc>
+                <a:spcPct val="100000"/>
+              </a:lnSpc>
+              <a:spcBef>
+                <a:spcPts val="0"/>
+              </a:spcBef>
+              <a:spcAft>
+                <a:spcPts val="0"/>
+              </a:spcAft>
+              <a:buClrTx/>
+              <a:buSzTx/>
+              <a:buFontTx/>
+              <a:buNone/>
+              <a:tabLst/>
+              <a:defRPr/>
+            </a:pPr>
+            <a:endParaRPr kumimoji="1" lang="en-US" altLang="ja-JP" dirty="0"/>
+          </a:p>
+          <a:p>
+            <a:pPr marL="0" marR="0" lvl="0" indent="0" algn="l" defTabSz="914400" rtl="0" eaLnBrk="1" fontAlgn="auto" latinLnBrk="0" hangingPunct="1">
+              <a:lnSpc>
+                <a:spcPct val="100000"/>
+              </a:lnSpc>
+              <a:spcBef>
+                <a:spcPts val="0"/>
+              </a:spcBef>
+              <a:spcAft>
+                <a:spcPts val="0"/>
+              </a:spcAft>
+              <a:buClrTx/>
+              <a:buSzTx/>
+              <a:buFontTx/>
+              <a:buNone/>
+              <a:tabLst/>
+              <a:defRPr/>
+            </a:pPr>
+            <a:endParaRPr kumimoji="1" lang="en-US" altLang="ja-JP" dirty="0"/>
+          </a:p>
+          <a:p>
+            <a:pPr marL="0" marR="0" lvl="0" indent="0" algn="l" defTabSz="914400" rtl="0" eaLnBrk="1" fontAlgn="auto" latinLnBrk="0" hangingPunct="1">
+              <a:lnSpc>
+                <a:spcPct val="100000"/>
+              </a:lnSpc>
+              <a:spcBef>
+                <a:spcPts val="0"/>
+              </a:spcBef>
+              <a:spcAft>
+                <a:spcPts val="0"/>
+              </a:spcAft>
+              <a:buClrTx/>
+              <a:buSzTx/>
+              <a:buFontTx/>
+              <a:buNone/>
+              <a:tabLst/>
+              <a:defRPr/>
+            </a:pPr>
+            <a:r>
+              <a:rPr kumimoji="1" lang="en-US" altLang="ja-JP" sz="1200" b="1" i="0" kern="1200" dirty="0">
+                <a:solidFill>
+                  <a:schemeClr val="tx1"/>
+                </a:solidFill>
+                <a:effectLst/>
+                <a:latin typeface="+mn-lt"/>
+                <a:ea typeface="+mn-ea"/>
+                <a:cs typeface="+mn-cs"/>
+              </a:rPr>
+              <a:t>m*</a:t>
+            </a:r>
+            <a:r>
+              <a:rPr kumimoji="1" lang="ja-JP" altLang="en-US" sz="1200" b="1" i="0" kern="1200" dirty="0">
+                <a:solidFill>
+                  <a:schemeClr val="tx1"/>
+                </a:solidFill>
+                <a:effectLst/>
+                <a:latin typeface="+mn-lt"/>
+                <a:ea typeface="+mn-ea"/>
+                <a:cs typeface="+mn-cs"/>
+              </a:rPr>
+              <a:t> が密集している（典型的な正常パターン）場合 </a:t>
+            </a:r>
+            <a:r>
+              <a:rPr kumimoji="1" lang="ja-JP" altLang="en-US" sz="1200" b="0" i="0" kern="1200" dirty="0">
+                <a:solidFill>
+                  <a:schemeClr val="tx1"/>
+                </a:solidFill>
+                <a:effectLst/>
+                <a:latin typeface="+mn-lt"/>
+                <a:ea typeface="+mn-ea"/>
+                <a:cs typeface="+mn-cs"/>
+              </a:rPr>
+              <a:t>➡ テストパッチ </a:t>
+            </a:r>
+            <a:r>
+              <a:rPr kumimoji="1" lang="en-US" altLang="ja-JP" sz="1200" b="0" i="0" kern="1200" dirty="0" err="1">
+                <a:solidFill>
+                  <a:schemeClr val="tx1"/>
+                </a:solidFill>
+                <a:effectLst/>
+                <a:latin typeface="+mn-lt"/>
+                <a:ea typeface="+mn-ea"/>
+                <a:cs typeface="+mn-cs"/>
+              </a:rPr>
+              <a:t>m_test</a:t>
+            </a:r>
+            <a:r>
+              <a:rPr kumimoji="1" lang="ja-JP" altLang="en-US" sz="1200" b="0" i="0" kern="1200" dirty="0">
+                <a:solidFill>
+                  <a:schemeClr val="tx1"/>
+                </a:solidFill>
+                <a:effectLst/>
+                <a:latin typeface="+mn-lt"/>
+                <a:ea typeface="+mn-ea"/>
+                <a:cs typeface="+mn-cs"/>
+              </a:rPr>
+              <a:t> は、</a:t>
+            </a:r>
+            <a:r>
+              <a:rPr kumimoji="1" lang="en-US" altLang="ja-JP" sz="1200" b="0" i="0" kern="1200" dirty="0">
+                <a:solidFill>
+                  <a:schemeClr val="tx1"/>
+                </a:solidFill>
+                <a:effectLst/>
+                <a:latin typeface="+mn-lt"/>
+                <a:ea typeface="+mn-ea"/>
+                <a:cs typeface="+mn-cs"/>
+              </a:rPr>
+              <a:t>m*</a:t>
+            </a:r>
+            <a:r>
+              <a:rPr kumimoji="1" lang="ja-JP" altLang="en-US" sz="1200" b="0" i="0" kern="1200" dirty="0">
+                <a:solidFill>
+                  <a:schemeClr val="tx1"/>
+                </a:solidFill>
+                <a:effectLst/>
+                <a:latin typeface="+mn-lt"/>
+                <a:ea typeface="+mn-ea"/>
+                <a:cs typeface="+mn-cs"/>
+              </a:rPr>
+              <a:t> とも、その近傍の他の正常パッチ </a:t>
+            </a:r>
+            <a:r>
+              <a:rPr kumimoji="1" lang="en-US" altLang="ja-JP" sz="1200" b="0" i="0" kern="1200" dirty="0">
+                <a:solidFill>
+                  <a:schemeClr val="tx1"/>
+                </a:solidFill>
+                <a:effectLst/>
+                <a:latin typeface="+mn-lt"/>
+                <a:ea typeface="+mn-ea"/>
+                <a:cs typeface="+mn-cs"/>
+              </a:rPr>
               <a:t>m</a:t>
             </a:r>
             <a:r>
+              <a:rPr kumimoji="1" lang="ja-JP" altLang="en-US" sz="1200" b="0" i="0" kern="1200" dirty="0">
+                <a:solidFill>
+                  <a:schemeClr val="tx1"/>
+                </a:solidFill>
+                <a:effectLst/>
+                <a:latin typeface="+mn-lt"/>
+                <a:ea typeface="+mn-ea"/>
+                <a:cs typeface="+mn-cs"/>
+              </a:rPr>
+              <a:t> たちとも、</a:t>
+            </a:r>
+            <a:r>
+              <a:rPr kumimoji="1" lang="ja-JP" altLang="en-US" sz="1200" b="1" i="0" kern="1200" dirty="0">
+                <a:solidFill>
+                  <a:schemeClr val="tx1"/>
+                </a:solidFill>
+                <a:effectLst/>
+                <a:latin typeface="+mn-lt"/>
+                <a:ea typeface="+mn-ea"/>
+                <a:cs typeface="+mn-cs"/>
+              </a:rPr>
+              <a:t>だいたい同じくらい遠い</a:t>
+            </a:r>
+            <a:r>
+              <a:rPr kumimoji="1" lang="ja-JP" altLang="en-US" sz="1200" b="0" i="0" kern="1200" dirty="0">
+                <a:solidFill>
+                  <a:schemeClr val="tx1"/>
+                </a:solidFill>
+                <a:effectLst/>
+                <a:latin typeface="+mn-lt"/>
+                <a:ea typeface="+mn-ea"/>
+                <a:cs typeface="+mn-cs"/>
+              </a:rPr>
+              <a:t>。➡</a:t>
+            </a:r>
+            <a:r>
+              <a:rPr kumimoji="1" lang="ja-JP" altLang="en-US" sz="1200" b="1" i="0" kern="1200" dirty="0">
+                <a:solidFill>
+                  <a:schemeClr val="tx1"/>
+                </a:solidFill>
+                <a:effectLst/>
+                <a:latin typeface="+mn-lt"/>
+                <a:ea typeface="+mn-ea"/>
+                <a:cs typeface="+mn-cs"/>
+              </a:rPr>
+              <a:t>スコアはほとんど減衰されない（そのまま）。</a:t>
+            </a:r>
+            <a:endParaRPr kumimoji="1" lang="en-US" altLang="ja-JP" sz="1200" b="1" i="0" kern="1200" dirty="0">
+              <a:solidFill>
+                <a:schemeClr val="tx1"/>
+              </a:solidFill>
+              <a:effectLst/>
+              <a:latin typeface="+mn-lt"/>
+              <a:ea typeface="+mn-ea"/>
+              <a:cs typeface="+mn-cs"/>
+            </a:endParaRPr>
+          </a:p>
+          <a:p>
+            <a:pPr marL="0" marR="0" lvl="0" indent="0" algn="l" defTabSz="914400" rtl="0" eaLnBrk="1" fontAlgn="auto" latinLnBrk="0" hangingPunct="1">
+              <a:lnSpc>
+                <a:spcPct val="100000"/>
+              </a:lnSpc>
+              <a:spcBef>
+                <a:spcPts val="0"/>
+              </a:spcBef>
+              <a:spcAft>
+                <a:spcPts val="0"/>
+              </a:spcAft>
+              <a:buClrTx/>
+              <a:buSzTx/>
+              <a:buFontTx/>
+              <a:buNone/>
+              <a:tabLst/>
+              <a:defRPr/>
+            </a:pPr>
+            <a:r>
+              <a:rPr kumimoji="1" lang="en-US" altLang="ja-JP" sz="1200" b="1" i="0" kern="1200" dirty="0">
+                <a:solidFill>
+                  <a:schemeClr val="tx1"/>
+                </a:solidFill>
+                <a:effectLst/>
+                <a:latin typeface="+mn-lt"/>
+                <a:ea typeface="+mn-ea"/>
+                <a:cs typeface="+mn-cs"/>
+              </a:rPr>
+              <a:t>m*</a:t>
+            </a:r>
+            <a:r>
+              <a:rPr kumimoji="1" lang="ja-JP" altLang="en-US" sz="1200" b="1" i="0" kern="1200" dirty="0">
+                <a:solidFill>
+                  <a:schemeClr val="tx1"/>
+                </a:solidFill>
+                <a:effectLst/>
+                <a:latin typeface="+mn-lt"/>
+                <a:ea typeface="+mn-ea"/>
+                <a:cs typeface="+mn-cs"/>
+              </a:rPr>
+              <a:t> が孤立している（珍しい正常パターン）場合 </a:t>
+            </a:r>
+            <a:r>
+              <a:rPr kumimoji="1" lang="ja-JP" altLang="en-US" sz="1200" b="0" i="0" kern="1200" dirty="0">
+                <a:solidFill>
+                  <a:schemeClr val="tx1"/>
+                </a:solidFill>
+                <a:effectLst/>
+                <a:latin typeface="+mn-lt"/>
+                <a:ea typeface="+mn-ea"/>
+                <a:cs typeface="+mn-cs"/>
+              </a:rPr>
+              <a:t>➡ テストパッチ </a:t>
+            </a:r>
+            <a:r>
+              <a:rPr kumimoji="1" lang="en-US" altLang="ja-JP" sz="1200" b="0" i="0" kern="1200" dirty="0" err="1">
+                <a:solidFill>
+                  <a:schemeClr val="tx1"/>
+                </a:solidFill>
+                <a:effectLst/>
+                <a:latin typeface="+mn-lt"/>
+                <a:ea typeface="+mn-ea"/>
+                <a:cs typeface="+mn-cs"/>
+              </a:rPr>
+              <a:t>m_test</a:t>
+            </a:r>
+            <a:r>
+              <a:rPr kumimoji="1" lang="ja-JP" altLang="en-US" sz="1200" b="0" i="0" kern="1200" dirty="0">
+                <a:solidFill>
+                  <a:schemeClr val="tx1"/>
+                </a:solidFill>
+                <a:effectLst/>
+                <a:latin typeface="+mn-lt"/>
+                <a:ea typeface="+mn-ea"/>
+                <a:cs typeface="+mn-cs"/>
+              </a:rPr>
+              <a:t> は、</a:t>
+            </a:r>
+            <a:r>
+              <a:rPr kumimoji="1" lang="en-US" altLang="ja-JP" sz="1200" b="0" i="0" kern="1200" dirty="0">
+                <a:solidFill>
+                  <a:schemeClr val="tx1"/>
+                </a:solidFill>
+                <a:effectLst/>
+                <a:latin typeface="+mn-lt"/>
+                <a:ea typeface="+mn-ea"/>
+                <a:cs typeface="+mn-cs"/>
+              </a:rPr>
+              <a:t>m*</a:t>
+            </a:r>
+            <a:r>
+              <a:rPr kumimoji="1" lang="ja-JP" altLang="en-US" sz="1200" b="0" i="0" kern="1200" dirty="0">
+                <a:solidFill>
+                  <a:schemeClr val="tx1"/>
+                </a:solidFill>
+                <a:effectLst/>
+                <a:latin typeface="+mn-lt"/>
+                <a:ea typeface="+mn-ea"/>
+                <a:cs typeface="+mn-cs"/>
+              </a:rPr>
+              <a:t> には近いが、</a:t>
+            </a:r>
+            <a:r>
+              <a:rPr kumimoji="1" lang="en-US" altLang="ja-JP" sz="1200" b="0" i="0" kern="1200" dirty="0">
+                <a:solidFill>
+                  <a:schemeClr val="tx1"/>
+                </a:solidFill>
+                <a:effectLst/>
+                <a:latin typeface="+mn-lt"/>
+                <a:ea typeface="+mn-ea"/>
+                <a:cs typeface="+mn-cs"/>
+              </a:rPr>
+              <a:t>m*</a:t>
+            </a:r>
+            <a:r>
+              <a:rPr kumimoji="1" lang="ja-JP" altLang="en-US" sz="1200" b="0" i="0" kern="1200" dirty="0">
+                <a:solidFill>
+                  <a:schemeClr val="tx1"/>
+                </a:solidFill>
+                <a:effectLst/>
+                <a:latin typeface="+mn-lt"/>
+                <a:ea typeface="+mn-ea"/>
+                <a:cs typeface="+mn-cs"/>
+              </a:rPr>
+              <a:t> の近傍にいる他の正常パッチ </a:t>
+            </a:r>
+            <a:r>
+              <a:rPr kumimoji="1" lang="en-US" altLang="ja-JP" sz="1200" b="0" i="0" kern="1200" dirty="0">
+                <a:solidFill>
+                  <a:schemeClr val="tx1"/>
+                </a:solidFill>
+                <a:effectLst/>
+                <a:latin typeface="+mn-lt"/>
+                <a:ea typeface="+mn-ea"/>
+                <a:cs typeface="+mn-cs"/>
+              </a:rPr>
+              <a:t>m</a:t>
+            </a:r>
+            <a:r>
+              <a:rPr kumimoji="1" lang="ja-JP" altLang="en-US" sz="1200" b="0" i="0" kern="1200" dirty="0">
+                <a:solidFill>
+                  <a:schemeClr val="tx1"/>
+                </a:solidFill>
+                <a:effectLst/>
+                <a:latin typeface="+mn-lt"/>
+                <a:ea typeface="+mn-ea"/>
+                <a:cs typeface="+mn-cs"/>
+              </a:rPr>
+              <a:t> たちからは非常に遠い。➡</a:t>
+            </a:r>
+            <a:r>
               <a:rPr lang="ja-JP" altLang="en-US" i="1" dirty="0"/>
-              <a:t>とその近傍</a:t>
+              <a:t>珍しい正常と距離が近かったんだなと</a:t>
             </a:r>
             <a:r>
               <a:rPr lang="en-US" altLang="ja-JP" i="1" dirty="0"/>
-              <a:t>b</a:t>
-            </a:r>
-            <a:r>
-              <a:rPr lang="ja-JP" altLang="en-US" i="1" dirty="0"/>
-              <a:t>個の特徴</a:t>
-            </a:r>
-            <a:r>
-              <a:rPr lang="en-US" altLang="ja-JP" i="1" dirty="0"/>
-              <a:t>m</a:t>
-            </a:r>
-            <a:r>
-              <a:rPr lang="ja-JP" altLang="en-US" i="1" dirty="0"/>
-              <a:t>との距離が大きい→</a:t>
-            </a:r>
-            <a:r>
-              <a:rPr lang="en-US" altLang="ja-JP" i="1" dirty="0"/>
-              <a:t>m</a:t>
-            </a:r>
-            <a:r>
-              <a:rPr lang="ja-JP" altLang="en-US" i="1" dirty="0"/>
-              <a:t>と</a:t>
-            </a:r>
-            <a:r>
-              <a:rPr lang="en-US" altLang="ja-JP" i="1" dirty="0"/>
-              <a:t>m-test</a:t>
-            </a:r>
-            <a:r>
-              <a:rPr lang="ja-JP" altLang="en-US" i="1" dirty="0"/>
-              <a:t>との距離はさらに大きくなる→ スコアは減衰しない </a:t>
-            </a:r>
-            <a:r>
-              <a:rPr lang="en-US" altLang="ja-JP" i="1" dirty="0"/>
-              <a:t>(s = s</a:t>
-            </a:r>
-            <a:r>
-              <a:rPr lang="en-US" altLang="ja-JP" dirty="0"/>
+              <a:t>,</a:t>
+            </a:r>
+            <a:r>
+              <a:rPr kumimoji="1" lang="ja-JP" altLang="en-US" sz="1200" b="1" i="0" kern="1200" dirty="0">
+                <a:solidFill>
+                  <a:schemeClr val="tx1"/>
+                </a:solidFill>
+                <a:effectLst/>
+                <a:latin typeface="+mn-lt"/>
+                <a:ea typeface="+mn-ea"/>
+                <a:cs typeface="+mn-cs"/>
+              </a:rPr>
+              <a:t>スコアを減衰させる</a:t>
+            </a:r>
+            <a:endParaRPr kumimoji="1" lang="en-US" altLang="ja-JP" sz="1200" b="1" i="0" kern="1200" dirty="0">
+              <a:solidFill>
+                <a:schemeClr val="tx1"/>
+              </a:solidFill>
+              <a:effectLst/>
+              <a:latin typeface="+mn-lt"/>
+              <a:ea typeface="+mn-ea"/>
+              <a:cs typeface="+mn-cs"/>
+            </a:endParaRPr>
+          </a:p>
+          <a:p>
+            <a:pPr marL="0" marR="0" lvl="0" indent="0" algn="l" defTabSz="914400" rtl="0" eaLnBrk="1" fontAlgn="auto" latinLnBrk="0" hangingPunct="1">
+              <a:lnSpc>
+                <a:spcPct val="100000"/>
+              </a:lnSpc>
+              <a:spcBef>
+                <a:spcPts val="0"/>
+              </a:spcBef>
+              <a:spcAft>
+                <a:spcPts val="0"/>
+              </a:spcAft>
+              <a:buClrTx/>
+              <a:buSzTx/>
+              <a:buFontTx/>
+              <a:buNone/>
+              <a:tabLst/>
+              <a:defRPr/>
+            </a:pPr>
+            <a:endParaRPr kumimoji="1" lang="en-US" altLang="ja-JP" sz="1200" b="0" i="0" kern="1200" dirty="0">
+              <a:solidFill>
+                <a:schemeClr val="tx1"/>
+              </a:solidFill>
+              <a:effectLst/>
+              <a:latin typeface="+mn-lt"/>
+              <a:ea typeface="+mn-ea"/>
+              <a:cs typeface="+mn-cs"/>
+            </a:endParaRPr>
+          </a:p>
+          <a:p>
+            <a:pPr marL="0" marR="0" lvl="0" indent="0" algn="l" defTabSz="914400" rtl="0" eaLnBrk="1" fontAlgn="auto" latinLnBrk="0" hangingPunct="1">
+              <a:lnSpc>
+                <a:spcPct val="100000"/>
+              </a:lnSpc>
+              <a:spcBef>
+                <a:spcPts val="0"/>
+              </a:spcBef>
+              <a:spcAft>
+                <a:spcPts val="0"/>
+              </a:spcAft>
+              <a:buClrTx/>
+              <a:buSzTx/>
+              <a:buFontTx/>
+              <a:buNone/>
+              <a:tabLst/>
+              <a:defRPr/>
+            </a:pPr>
+            <a:endParaRPr kumimoji="1" lang="en-US" altLang="ja-JP" sz="1200" b="0" i="0" kern="1200" dirty="0">
+              <a:solidFill>
+                <a:schemeClr val="tx1"/>
+              </a:solidFill>
+              <a:effectLst/>
+              <a:latin typeface="+mn-lt"/>
+              <a:ea typeface="+mn-ea"/>
+              <a:cs typeface="+mn-cs"/>
+            </a:endParaRPr>
+          </a:p>
+          <a:p>
+            <a:pPr marL="0" marR="0" lvl="0" indent="0" algn="l" defTabSz="914400" rtl="0" eaLnBrk="1" fontAlgn="auto" latinLnBrk="0" hangingPunct="1">
+              <a:lnSpc>
+                <a:spcPct val="100000"/>
+              </a:lnSpc>
+              <a:spcBef>
+                <a:spcPts val="0"/>
+              </a:spcBef>
+              <a:spcAft>
+                <a:spcPts val="0"/>
+              </a:spcAft>
+              <a:buClrTx/>
+              <a:buSzTx/>
+              <a:buFontTx/>
+              <a:buNone/>
+              <a:tabLst/>
+              <a:defRPr/>
+            </a:pPr>
+            <a:r>
+              <a:rPr kumimoji="1" lang="ja-JP" altLang="en-US" sz="1200" b="0" i="0" kern="1200" dirty="0">
+                <a:solidFill>
+                  <a:schemeClr val="tx1"/>
+                </a:solidFill>
+                <a:effectLst/>
+                <a:latin typeface="+mn-lt"/>
+                <a:ea typeface="+mn-ea"/>
+                <a:cs typeface="+mn-cs"/>
+              </a:rPr>
+              <a:t>要は密集してるところから離れている（似ていないパターン）は最も異常らしい。その他ケースで偽陽性</a:t>
+            </a:r>
+            <a:r>
+              <a:rPr kumimoji="1" lang="en-US" altLang="ja-JP" sz="1200" b="0" i="0" kern="1200" dirty="0">
+                <a:solidFill>
+                  <a:schemeClr val="tx1"/>
+                </a:solidFill>
+                <a:effectLst/>
+                <a:latin typeface="+mn-lt"/>
+                <a:ea typeface="+mn-ea"/>
+                <a:cs typeface="+mn-cs"/>
+              </a:rPr>
+              <a:t>(</a:t>
+            </a:r>
+            <a:r>
+              <a:rPr kumimoji="1" lang="ja-JP" altLang="en-US" sz="1200" b="0" i="0" kern="1200">
+                <a:solidFill>
+                  <a:schemeClr val="tx1"/>
+                </a:solidFill>
+                <a:effectLst/>
+                <a:latin typeface="+mn-lt"/>
+                <a:ea typeface="+mn-ea"/>
+                <a:cs typeface="+mn-cs"/>
+              </a:rPr>
+              <a:t>異常じゃないのに異常と判定すること</a:t>
+            </a:r>
+            <a:r>
+              <a:rPr kumimoji="1" lang="en-US" altLang="ja-JP" sz="1200" b="0" i="0" kern="1200">
+                <a:solidFill>
+                  <a:schemeClr val="tx1"/>
+                </a:solidFill>
+                <a:effectLst/>
+                <a:latin typeface="+mn-lt"/>
+                <a:ea typeface="+mn-ea"/>
+                <a:cs typeface="+mn-cs"/>
+              </a:rPr>
               <a:t>)</a:t>
             </a:r>
-          </a:p>
-          <a:p>
-            <a:r>
-              <a:rPr lang="en-US" altLang="ja-JP" dirty="0"/>
-              <a:t>m* </a:t>
-            </a:r>
-            <a:r>
-              <a:rPr lang="ja-JP" altLang="en-US" dirty="0"/>
-              <a:t>が密集している →</a:t>
-            </a:r>
-            <a:r>
-              <a:rPr lang="en-US" altLang="ja-JP" dirty="0"/>
+            <a:r>
+              <a:rPr kumimoji="1" lang="ja-JP" altLang="en-US" sz="1200" b="0" i="0" kern="1200" dirty="0">
+                <a:solidFill>
+                  <a:schemeClr val="tx1"/>
+                </a:solidFill>
+                <a:effectLst/>
+                <a:latin typeface="+mn-lt"/>
+                <a:ea typeface="+mn-ea"/>
+                <a:cs typeface="+mn-cs"/>
+              </a:rPr>
+              <a:t>を減らしたいから調整を行っている。</a:t>
+            </a:r>
+            <a:endParaRPr kumimoji="1" lang="en-US" altLang="ja-JP" sz="1200" b="0" i="0" kern="1200" dirty="0">
+              <a:solidFill>
+                <a:schemeClr val="tx1"/>
+              </a:solidFill>
+              <a:effectLst/>
+              <a:latin typeface="+mn-lt"/>
+              <a:ea typeface="+mn-ea"/>
+              <a:cs typeface="+mn-cs"/>
+            </a:endParaRPr>
+          </a:p>
+          <a:p>
+            <a:pPr marL="0" marR="0" lvl="0" indent="0" algn="l" defTabSz="914400" rtl="0" eaLnBrk="1" fontAlgn="auto" latinLnBrk="0" hangingPunct="1">
+              <a:lnSpc>
+                <a:spcPct val="100000"/>
+              </a:lnSpc>
+              <a:spcBef>
+                <a:spcPts val="0"/>
+              </a:spcBef>
+              <a:spcAft>
+                <a:spcPts val="0"/>
+              </a:spcAft>
+              <a:buClrTx/>
+              <a:buSzTx/>
+              <a:buFontTx/>
+              <a:buNone/>
+              <a:tabLst/>
+              <a:defRPr/>
+            </a:pPr>
+            <a:r>
+              <a:rPr kumimoji="1" lang="ja-JP" altLang="en-US" sz="1200" b="0" i="0" kern="1200" dirty="0">
+                <a:solidFill>
+                  <a:schemeClr val="tx1"/>
+                </a:solidFill>
+                <a:effectLst/>
+                <a:latin typeface="+mn-lt"/>
+                <a:ea typeface="+mn-ea"/>
+                <a:cs typeface="+mn-cs"/>
+              </a:rPr>
+              <a:t>➡</a:t>
+            </a:r>
+            <a:r>
+              <a:rPr kumimoji="1" lang="en-US" altLang="ja-JP" sz="1200" b="0" i="0" kern="1200" dirty="0" err="1">
+                <a:solidFill>
+                  <a:schemeClr val="tx1"/>
+                </a:solidFill>
+                <a:effectLst/>
+                <a:latin typeface="+mn-lt"/>
+                <a:ea typeface="+mn-ea"/>
+                <a:cs typeface="+mn-cs"/>
+              </a:rPr>
+              <a:t>Softmax</a:t>
+            </a:r>
+            <a:r>
+              <a:rPr kumimoji="1" lang="ja-JP" altLang="en-US" sz="1200" b="0" i="0" kern="1200" dirty="0">
+                <a:solidFill>
+                  <a:schemeClr val="tx1"/>
+                </a:solidFill>
+                <a:effectLst/>
+                <a:latin typeface="+mn-lt"/>
+                <a:ea typeface="+mn-ea"/>
+                <a:cs typeface="+mn-cs"/>
+              </a:rPr>
+              <a:t>風の計算で、</a:t>
+            </a:r>
+            <a:r>
+              <a:rPr kumimoji="1" lang="en-US" altLang="ja-JP" sz="1200" b="0" i="0" kern="1200" dirty="0">
+                <a:solidFill>
+                  <a:schemeClr val="tx1"/>
+                </a:solidFill>
+                <a:effectLst/>
+                <a:latin typeface="+mn-lt"/>
+                <a:ea typeface="+mn-ea"/>
+                <a:cs typeface="+mn-cs"/>
+              </a:rPr>
               <a:t>m*</a:t>
             </a:r>
             <a:r>
-              <a:rPr lang="ja-JP" altLang="en-US" dirty="0"/>
-              <a:t>とその近傍</a:t>
-            </a:r>
-            <a:r>
-              <a:rPr lang="en-US" altLang="ja-JP" dirty="0"/>
-              <a:t>b</a:t>
-            </a:r>
-            <a:r>
-              <a:rPr lang="ja-JP" altLang="en-US" dirty="0"/>
-              <a:t>個の特徴</a:t>
-            </a:r>
-            <a:r>
-              <a:rPr lang="en-US" altLang="ja-JP" dirty="0"/>
-              <a:t>m</a:t>
-            </a:r>
-            <a:r>
-              <a:rPr lang="ja-JP" altLang="en-US" dirty="0"/>
-              <a:t>との距離がほぼ</a:t>
-            </a:r>
-            <a:r>
-              <a:rPr lang="en-US" altLang="ja-JP" dirty="0"/>
-              <a:t>m</a:t>
-            </a:r>
-            <a:r>
-              <a:rPr lang="ja-JP" altLang="en-US" dirty="0"/>
-              <a:t>と</a:t>
-            </a:r>
-            <a:r>
-              <a:rPr lang="en-US" altLang="ja-JP" dirty="0"/>
-              <a:t>m-test</a:t>
-            </a:r>
-            <a:r>
-              <a:rPr lang="ja-JP" altLang="en-US" dirty="0"/>
-              <a:t>との距離と同じ</a:t>
-            </a:r>
-          </a:p>
-          <a:p>
-            <a:r>
-              <a:rPr lang="ja-JP" altLang="en-US" dirty="0"/>
-              <a:t>→ スコアは少し減衰する </a:t>
-            </a:r>
-            <a:r>
-              <a:rPr lang="en-US" altLang="ja-JP" dirty="0"/>
-              <a:t>(s = (1-1/b)s*) 0 &lt; 1/b &lt; 1</a:t>
-            </a:r>
-          </a:p>
-          <a:p>
+              <a:rPr kumimoji="1" lang="ja-JP" altLang="en-US" sz="1200" b="0" i="0" kern="1200" dirty="0">
+                <a:solidFill>
+                  <a:schemeClr val="tx1"/>
+                </a:solidFill>
+                <a:effectLst/>
+                <a:latin typeface="+mn-lt"/>
+                <a:ea typeface="+mn-ea"/>
+                <a:cs typeface="+mn-cs"/>
+              </a:rPr>
+              <a:t> は特に突出して近くないため、分数の値は </a:t>
+            </a:r>
+            <a:r>
+              <a:rPr kumimoji="1" lang="en-US" altLang="ja-JP" sz="1200" b="1" i="0" kern="1200" dirty="0">
+                <a:solidFill>
+                  <a:schemeClr val="tx1"/>
+                </a:solidFill>
+                <a:effectLst/>
+                <a:latin typeface="+mn-lt"/>
+                <a:ea typeface="+mn-ea"/>
+                <a:cs typeface="+mn-cs"/>
+              </a:rPr>
+              <a:t>1/b </a:t>
+            </a:r>
+            <a:r>
+              <a:rPr kumimoji="1" lang="ja-JP" altLang="en-US" sz="1200" b="1" i="0" kern="1200" dirty="0">
+                <a:solidFill>
+                  <a:schemeClr val="tx1"/>
+                </a:solidFill>
+                <a:effectLst/>
+                <a:latin typeface="+mn-lt"/>
+                <a:ea typeface="+mn-ea"/>
+                <a:cs typeface="+mn-cs"/>
+              </a:rPr>
+              <a:t>のような小さい値</a:t>
+            </a:r>
+            <a:r>
+              <a:rPr kumimoji="1" lang="ja-JP" altLang="en-US" sz="1200" b="0" i="0" kern="1200" dirty="0">
+                <a:solidFill>
+                  <a:schemeClr val="tx1"/>
+                </a:solidFill>
+                <a:effectLst/>
+                <a:latin typeface="+mn-lt"/>
+                <a:ea typeface="+mn-ea"/>
+                <a:cs typeface="+mn-cs"/>
+              </a:rPr>
+              <a:t>になる。</a:t>
+            </a:r>
             <a:endParaRPr lang="en-JP" dirty="0"/>
           </a:p>
         </p:txBody>
@@ -3422,7 +4252,7 @@
           <a:p>
             <a:fld id="{8E13C0C7-DE05-4833-8785-D21399826AC3}" type="datetimeFigureOut">
               <a:rPr kumimoji="1" lang="ja-JP" altLang="en-US" smtClean="0"/>
-              <a:t>2025/7/5</a:t>
+              <a:t>2025/7/6</a:t>
             </a:fld>
             <a:endParaRPr kumimoji="1" lang="ja-JP" altLang="en-US"/>
           </a:p>
@@ -3652,7 +4482,7 @@
           <a:p>
             <a:fld id="{8E13C0C7-DE05-4833-8785-D21399826AC3}" type="datetimeFigureOut">
               <a:rPr kumimoji="1" lang="ja-JP" altLang="en-US" smtClean="0"/>
-              <a:t>2025/7/5</a:t>
+              <a:t>2025/7/6</a:t>
             </a:fld>
             <a:endParaRPr kumimoji="1" lang="ja-JP" altLang="en-US"/>
           </a:p>
@@ -3892,7 +4722,7 @@
           <a:p>
             <a:fld id="{8E13C0C7-DE05-4833-8785-D21399826AC3}" type="datetimeFigureOut">
               <a:rPr kumimoji="1" lang="ja-JP" altLang="en-US" smtClean="0"/>
-              <a:t>2025/7/5</a:t>
+              <a:t>2025/7/6</a:t>
             </a:fld>
             <a:endParaRPr kumimoji="1" lang="ja-JP" altLang="en-US"/>
           </a:p>
@@ -4304,7 +5134,7 @@
           <a:p>
             <a:fld id="{8E13C0C7-DE05-4833-8785-D21399826AC3}" type="datetimeFigureOut">
               <a:rPr kumimoji="1" lang="ja-JP" altLang="en-US" smtClean="0"/>
-              <a:t>2025/7/5</a:t>
+              <a:t>2025/7/6</a:t>
             </a:fld>
             <a:endParaRPr kumimoji="1" lang="ja-JP" altLang="en-US"/>
           </a:p>
@@ -4579,7 +5409,7 @@
           <a:p>
             <a:fld id="{8E13C0C7-DE05-4833-8785-D21399826AC3}" type="datetimeFigureOut">
               <a:rPr kumimoji="1" lang="ja-JP" altLang="en-US" smtClean="0"/>
-              <a:t>2025/7/5</a:t>
+              <a:t>2025/7/6</a:t>
             </a:fld>
             <a:endParaRPr kumimoji="1" lang="ja-JP" altLang="en-US"/>
           </a:p>
@@ -4908,7 +5738,7 @@
           <a:p>
             <a:fld id="{8E13C0C7-DE05-4833-8785-D21399826AC3}" type="datetimeFigureOut">
               <a:rPr kumimoji="1" lang="ja-JP" altLang="en-US" smtClean="0"/>
-              <a:t>2025/7/5</a:t>
+              <a:t>2025/7/6</a:t>
             </a:fld>
             <a:endParaRPr kumimoji="1" lang="ja-JP" altLang="en-US"/>
           </a:p>
@@ -5384,7 +6214,7 @@
           <a:p>
             <a:fld id="{8E13C0C7-DE05-4833-8785-D21399826AC3}" type="datetimeFigureOut">
               <a:rPr kumimoji="1" lang="ja-JP" altLang="en-US" smtClean="0"/>
-              <a:t>2025/7/5</a:t>
+              <a:t>2025/7/6</a:t>
             </a:fld>
             <a:endParaRPr kumimoji="1" lang="ja-JP" altLang="en-US"/>
           </a:p>
@@ -5525,7 +6355,7 @@
           <a:p>
             <a:fld id="{8E13C0C7-DE05-4833-8785-D21399826AC3}" type="datetimeFigureOut">
               <a:rPr kumimoji="1" lang="ja-JP" altLang="en-US" smtClean="0"/>
-              <a:t>2025/7/5</a:t>
+              <a:t>2025/7/6</a:t>
             </a:fld>
             <a:endParaRPr kumimoji="1" lang="ja-JP" altLang="en-US"/>
           </a:p>
@@ -5638,7 +6468,7 @@
           <a:p>
             <a:fld id="{8E13C0C7-DE05-4833-8785-D21399826AC3}" type="datetimeFigureOut">
               <a:rPr kumimoji="1" lang="ja-JP" altLang="en-US" smtClean="0"/>
-              <a:t>2025/7/5</a:t>
+              <a:t>2025/7/6</a:t>
             </a:fld>
             <a:endParaRPr kumimoji="1" lang="ja-JP" altLang="en-US"/>
           </a:p>
@@ -5981,7 +6811,7 @@
           <a:p>
             <a:fld id="{8E13C0C7-DE05-4833-8785-D21399826AC3}" type="datetimeFigureOut">
               <a:rPr kumimoji="1" lang="ja-JP" altLang="en-US" smtClean="0"/>
-              <a:t>2025/7/5</a:t>
+              <a:t>2025/7/6</a:t>
             </a:fld>
             <a:endParaRPr kumimoji="1" lang="ja-JP" altLang="en-US"/>
           </a:p>
@@ -6269,7 +7099,7 @@
           <a:p>
             <a:fld id="{8E13C0C7-DE05-4833-8785-D21399826AC3}" type="datetimeFigureOut">
               <a:rPr kumimoji="1" lang="ja-JP" altLang="en-US" smtClean="0"/>
-              <a:t>2025/7/5</a:t>
+              <a:t>2025/7/6</a:t>
             </a:fld>
             <a:endParaRPr kumimoji="1" lang="ja-JP" altLang="en-US"/>
           </a:p>
@@ -6542,7 +7372,7 @@
           <a:p>
             <a:fld id="{8E13C0C7-DE05-4833-8785-D21399826AC3}" type="datetimeFigureOut">
               <a:rPr kumimoji="1" lang="ja-JP" altLang="en-US" smtClean="0"/>
-              <a:t>2025/7/5</a:t>
+              <a:t>2025/7/6</a:t>
             </a:fld>
             <a:endParaRPr kumimoji="1" lang="ja-JP" altLang="en-US"/>
           </a:p>
@@ -7002,8 +7832,8 @@
           </a:p>
         </p:txBody>
       </p:sp>
-      <mc:AlternateContent xmlns:mc="http://schemas.openxmlformats.org/markup-compatibility/2006">
-        <mc:Choice xmlns:a14="http://schemas.microsoft.com/office/drawing/2010/main" Requires="a14">
+      <mc:AlternateContent xmlns:mc="http://schemas.openxmlformats.org/markup-compatibility/2006" xmlns:a14="http://schemas.microsoft.com/office/drawing/2010/main">
+        <mc:Choice Requires="a14">
           <p:sp>
             <p:nvSpPr>
               <p:cNvPr id="5" name="テキスト ボックス 4">
@@ -7119,7 +7949,7 @@
             </p:txBody>
           </p:sp>
         </mc:Choice>
-        <mc:Fallback>
+        <mc:Fallback xmlns="">
           <p:sp>
             <p:nvSpPr>
               <p:cNvPr id="5" name="テキスト ボックス 4">
@@ -7360,8 +8190,8 @@
           </a:prstGeom>
         </p:spPr>
       </p:pic>
-      <mc:AlternateContent xmlns:mc="http://schemas.openxmlformats.org/markup-compatibility/2006">
-        <mc:Choice xmlns:a14="http://schemas.microsoft.com/office/drawing/2010/main" Requires="a14">
+      <mc:AlternateContent xmlns:mc="http://schemas.openxmlformats.org/markup-compatibility/2006" xmlns:a14="http://schemas.microsoft.com/office/drawing/2010/main">
+        <mc:Choice Requires="a14">
           <p:sp>
             <p:nvSpPr>
               <p:cNvPr id="5" name="テキスト ボックス 4">
@@ -7377,7 +8207,7 @@
             <p:spPr>
               <a:xfrm>
                 <a:off x="339524" y="1582340"/>
-                <a:ext cx="8781327" cy="2310184"/>
+                <a:ext cx="8781327" cy="2341731"/>
               </a:xfrm>
               <a:prstGeom prst="rect">
                 <a:avLst/>
@@ -7797,12 +8627,16 @@
                     </m:sSub>
                   </m:oMath>
                 </a14:m>
+                <a:r>
+                  <a:rPr lang="ja-JP" altLang="en-US" dirty="0"/>
+                  <a:t>の要素</a:t>
+                </a:r>
                 <a:endParaRPr lang="en-US" altLang="ja-JP" dirty="0"/>
               </a:p>
             </p:txBody>
           </p:sp>
         </mc:Choice>
-        <mc:Fallback>
+        <mc:Fallback xmlns="">
           <p:sp>
             <p:nvSpPr>
               <p:cNvPr id="5" name="テキスト ボックス 4">
@@ -7820,7 +8654,7 @@
             <p:spPr>
               <a:xfrm>
                 <a:off x="339524" y="1582340"/>
-                <a:ext cx="8781327" cy="2310184"/>
+                <a:ext cx="8781327" cy="2341731"/>
               </a:xfrm>
               <a:prstGeom prst="rect">
                 <a:avLst/>
@@ -7828,7 +8662,7 @@
               <a:blipFill>
                 <a:blip r:embed="rId4"/>
                 <a:stretch>
-                  <a:fillRect l="-625" t="-1319" b="-3430"/>
+                  <a:fillRect l="-625" t="-1302" b="-2083"/>
                 </a:stretch>
               </a:blipFill>
             </p:spPr>
@@ -8065,8 +8899,8 @@
           </a:p>
         </p:txBody>
       </p:sp>
-      <mc:AlternateContent xmlns:mc="http://schemas.openxmlformats.org/markup-compatibility/2006">
-        <mc:Choice xmlns:a14="http://schemas.microsoft.com/office/drawing/2010/main" Requires="a14">
+      <mc:AlternateContent xmlns:mc="http://schemas.openxmlformats.org/markup-compatibility/2006" xmlns:a14="http://schemas.microsoft.com/office/drawing/2010/main">
+        <mc:Choice Requires="a14">
           <p:sp>
             <p:nvSpPr>
               <p:cNvPr id="7" name="テキスト ボックス 6">
@@ -8189,7 +9023,7 @@
             </p:txBody>
           </p:sp>
         </mc:Choice>
-        <mc:Fallback>
+        <mc:Fallback xmlns="">
           <p:sp>
             <p:nvSpPr>
               <p:cNvPr id="7" name="テキスト ボックス 6">
@@ -8234,8 +9068,8 @@
           </p:sp>
         </mc:Fallback>
       </mc:AlternateContent>
-      <mc:AlternateContent xmlns:mc="http://schemas.openxmlformats.org/markup-compatibility/2006">
-        <mc:Choice xmlns:a14="http://schemas.microsoft.com/office/drawing/2010/main" Requires="a14">
+      <mc:AlternateContent xmlns:mc="http://schemas.openxmlformats.org/markup-compatibility/2006" xmlns:a14="http://schemas.microsoft.com/office/drawing/2010/main">
+        <mc:Choice Requires="a14">
           <p:sp>
             <p:nvSpPr>
               <p:cNvPr id="9" name="テキスト ボックス 8">
@@ -8357,7 +9191,7 @@
             </p:txBody>
           </p:sp>
         </mc:Choice>
-        <mc:Fallback>
+        <mc:Fallback xmlns="">
           <p:sp>
             <p:nvSpPr>
               <p:cNvPr id="9" name="テキスト ボックス 8">
@@ -8458,13 +9292,13 @@
   <p:clrMapOvr>
     <a:masterClrMapping/>
   </p:clrMapOvr>
-  <mc:AlternateContent xmlns:mc="http://schemas.openxmlformats.org/markup-compatibility/2006">
-    <mc:Choice xmlns:p14="http://schemas.microsoft.com/office/powerpoint/2010/main" Requires="p14">
+  <mc:AlternateContent xmlns:mc="http://schemas.openxmlformats.org/markup-compatibility/2006" xmlns:p14="http://schemas.microsoft.com/office/powerpoint/2010/main">
+    <mc:Choice Requires="p14">
       <p:transition p14:dur="180">
         <p:fade/>
       </p:transition>
     </mc:Choice>
-    <mc:Fallback>
+    <mc:Fallback xmlns="">
       <p:transition>
         <p:fade/>
       </p:transition>
@@ -8718,6 +9552,53 @@
           <a:chExt cx="0" cy="0"/>
         </a:xfrm>
       </p:grpSpPr>
+      <p:pic>
+        <p:nvPicPr>
+          <p:cNvPr id="1026" name="Picture 2" descr="図 2. 内部畳み込み層では 3D カーネルを前層の各特徴マップからの 2D セルで畳み込む">
+            <a:extLst>
+              <a:ext uri="{FF2B5EF4-FFF2-40B4-BE49-F238E27FC236}">
+                <a16:creationId xmlns:a16="http://schemas.microsoft.com/office/drawing/2014/main" id="{DBB41DAC-4B8D-5A7F-E8BE-6E889CDF83D3}"/>
+              </a:ext>
+            </a:extLst>
+          </p:cNvPr>
+          <p:cNvPicPr>
+            <a:picLocks noChangeAspect="1" noChangeArrowheads="1"/>
+          </p:cNvPicPr>
+          <p:nvPr/>
+        </p:nvPicPr>
+        <p:blipFill rotWithShape="1">
+          <a:blip r:embed="rId3">
+            <a:extLst>
+              <a:ext uri="{28A0092B-C50C-407E-A947-70E740481C1C}">
+                <a14:useLocalDpi xmlns:a14="http://schemas.microsoft.com/office/drawing/2010/main" val="0"/>
+              </a:ext>
+            </a:extLst>
+          </a:blip>
+          <a:srcRect l="42394" t="27022" b="6195"/>
+          <a:stretch>
+            <a:fillRect/>
+          </a:stretch>
+        </p:blipFill>
+        <p:spPr bwMode="auto">
+          <a:xfrm>
+            <a:off x="1924999" y="3165966"/>
+            <a:ext cx="2318092" cy="1113347"/>
+          </a:xfrm>
+          <a:prstGeom prst="rect">
+            <a:avLst/>
+          </a:prstGeom>
+          <a:noFill/>
+          <a:extLst>
+            <a:ext uri="{909E8E84-426E-40DD-AFC4-6F175D3DCCD1}">
+              <a14:hiddenFill xmlns:a14="http://schemas.microsoft.com/office/drawing/2010/main">
+                <a:solidFill>
+                  <a:srgbClr val="FFFFFF"/>
+                </a:solidFill>
+              </a14:hiddenFill>
+            </a:ext>
+          </a:extLst>
+        </p:spPr>
+      </p:pic>
       <p:sp>
         <p:nvSpPr>
           <p:cNvPr id="3" name="Slide Number Placeholder 2">
@@ -8757,12 +9638,514 @@
           </a:p>
         </p:txBody>
       </p:sp>
+      <mc:AlternateContent xmlns:mc="http://schemas.openxmlformats.org/markup-compatibility/2006" xmlns:a14="http://schemas.microsoft.com/office/drawing/2010/main">
+        <mc:Choice Requires="a14">
+          <p:sp>
+            <p:nvSpPr>
+              <p:cNvPr id="4" name="TextBox 3">
+                <a:extLst>
+                  <a:ext uri="{FF2B5EF4-FFF2-40B4-BE49-F238E27FC236}">
+                    <a16:creationId xmlns:a16="http://schemas.microsoft.com/office/drawing/2014/main" id="{58CECEC3-FDFA-4105-AAAB-B509D98AACFD}"/>
+                  </a:ext>
+                </a:extLst>
+              </p:cNvPr>
+              <p:cNvSpPr txBox="1"/>
+              <p:nvPr/>
+            </p:nvSpPr>
+            <p:spPr>
+              <a:xfrm>
+                <a:off x="449017" y="269481"/>
+                <a:ext cx="9263394" cy="707886"/>
+              </a:xfrm>
+              <a:prstGeom prst="rect">
+                <a:avLst/>
+              </a:prstGeom>
+              <a:noFill/>
+            </p:spPr>
+            <p:txBody>
+              <a:bodyPr wrap="square" rtlCol="0">
+                <a:spAutoFit/>
+              </a:bodyPr>
+              <a:lstStyle/>
+              <a:p>
+                <a:r>
+                  <a:rPr lang="ja-JP" altLang="en-US" sz="4000" dirty="0"/>
+                  <a:t>異常スコア</a:t>
+                </a:r>
+                <a14:m>
+                  <m:oMath xmlns:m="http://schemas.openxmlformats.org/officeDocument/2006/math">
+                    <m:r>
+                      <a:rPr lang="en-US" altLang="ja-JP" sz="4000" i="1">
+                        <a:latin typeface="Cambria Math" panose="02040503050406030204" pitchFamily="18" charset="0"/>
+                      </a:rPr>
+                      <m:t>𝑠</m:t>
+                    </m:r>
+                    <m:r>
+                      <a:rPr lang="en-US" altLang="ja-JP" sz="4000" i="1">
+                        <a:latin typeface="Cambria Math" panose="02040503050406030204" pitchFamily="18" charset="0"/>
+                      </a:rPr>
+                      <m:t> </m:t>
+                    </m:r>
+                  </m:oMath>
+                </a14:m>
+                <a:r>
+                  <a:rPr lang="ja-JP" altLang="en-US" sz="4000" dirty="0"/>
+                  <a:t>　　高いほど異常</a:t>
+                </a:r>
+                <a:endParaRPr lang="en-JP" sz="2800" dirty="0"/>
+              </a:p>
+            </p:txBody>
+          </p:sp>
+        </mc:Choice>
+        <mc:Fallback xmlns="">
+          <p:sp>
+            <p:nvSpPr>
+              <p:cNvPr id="4" name="TextBox 3">
+                <a:extLst>
+                  <a:ext uri="{FF2B5EF4-FFF2-40B4-BE49-F238E27FC236}">
+                    <a16:creationId xmlns:a16="http://schemas.microsoft.com/office/drawing/2014/main" id="{58CECEC3-FDFA-4105-AAAB-B509D98AACFD}"/>
+                  </a:ext>
+                </a:extLst>
+              </p:cNvPr>
+              <p:cNvSpPr txBox="1">
+                <a:spLocks noRot="1" noChangeAspect="1" noMove="1" noResize="1" noEditPoints="1" noAdjustHandles="1" noChangeArrowheads="1" noChangeShapeType="1" noTextEdit="1"/>
+              </p:cNvSpPr>
+              <p:nvPr/>
+            </p:nvSpPr>
+            <p:spPr>
+              <a:xfrm>
+                <a:off x="449017" y="269481"/>
+                <a:ext cx="9263394" cy="707886"/>
+              </a:xfrm>
+              <a:prstGeom prst="rect">
+                <a:avLst/>
+              </a:prstGeom>
+              <a:blipFill>
+                <a:blip r:embed="rId4"/>
+                <a:stretch>
+                  <a:fillRect l="-2370" t="-15517" b="-36207"/>
+                </a:stretch>
+              </a:blipFill>
+            </p:spPr>
+            <p:txBody>
+              <a:bodyPr/>
+              <a:lstStyle/>
+              <a:p>
+                <a:r>
+                  <a:rPr lang="ja-JP" altLang="en-US">
+                    <a:noFill/>
+                  </a:rPr>
+                  <a:t> </a:t>
+                </a:r>
+              </a:p>
+            </p:txBody>
+          </p:sp>
+        </mc:Fallback>
+      </mc:AlternateContent>
+      <mc:AlternateContent xmlns:mc="http://schemas.openxmlformats.org/markup-compatibility/2006" xmlns:a14="http://schemas.microsoft.com/office/drawing/2010/main">
+        <mc:Choice Requires="a14">
+          <p:sp>
+            <p:nvSpPr>
+              <p:cNvPr id="5" name="テキスト ボックス 4">
+                <a:extLst>
+                  <a:ext uri="{FF2B5EF4-FFF2-40B4-BE49-F238E27FC236}">
+                    <a16:creationId xmlns:a16="http://schemas.microsoft.com/office/drawing/2014/main" id="{F1294C82-2161-45CA-B213-05280E7C32ED}"/>
+                  </a:ext>
+                </a:extLst>
+              </p:cNvPr>
+              <p:cNvSpPr txBox="1"/>
+              <p:nvPr/>
+            </p:nvSpPr>
+            <p:spPr>
+              <a:xfrm>
+                <a:off x="140676" y="1300784"/>
+                <a:ext cx="11896425" cy="1945789"/>
+              </a:xfrm>
+              <a:prstGeom prst="rect">
+                <a:avLst/>
+              </a:prstGeom>
+              <a:noFill/>
+            </p:spPr>
+            <p:txBody>
+              <a:bodyPr wrap="square" rtlCol="0">
+                <a:spAutoFit/>
+              </a:bodyPr>
+              <a:lstStyle/>
+              <a:p>
+                <a:r>
+                  <a:rPr lang="ja-JP" altLang="en-US" sz="2400" dirty="0"/>
+                  <a:t>流れ</a:t>
+                </a:r>
+                <a:endParaRPr lang="en-US" altLang="ja-JP" sz="2400" dirty="0"/>
+              </a:p>
+              <a:p>
+                <a:r>
+                  <a:rPr lang="ja-JP" altLang="en-US" sz="2000" dirty="0"/>
+                  <a:t>テスト画像の各パッチベクトルに一番似ているパッチベクトルを</a:t>
+                </a:r>
+                <a14:m>
+                  <m:oMath xmlns:m="http://schemas.openxmlformats.org/officeDocument/2006/math">
+                    <m:r>
+                      <a:rPr lang="en-US" altLang="ja-JP" sz="2000" i="1" dirty="0">
+                        <a:latin typeface="Cambria Math" panose="02040503050406030204" pitchFamily="18" charset="0"/>
+                      </a:rPr>
+                      <m:t>𝑀</m:t>
+                    </m:r>
+                    <m:r>
+                      <a:rPr lang="ja-JP" altLang="en-US" sz="2000" i="1" dirty="0" smtClean="0">
+                        <a:latin typeface="Cambria Math" panose="02040503050406030204" pitchFamily="18" charset="0"/>
+                      </a:rPr>
+                      <m:t>から</m:t>
+                    </m:r>
+                  </m:oMath>
+                </a14:m>
+                <a:r>
+                  <a:rPr lang="ja-JP" altLang="en-US" sz="2000" dirty="0"/>
+                  <a:t>探し、それらの距離を記録。</a:t>
+                </a:r>
+                <a:endParaRPr lang="en-US" altLang="ja-JP" sz="2000" dirty="0"/>
+              </a:p>
+              <a:p>
+                <a:r>
+                  <a:rPr lang="ja-JP" altLang="en-US" sz="2000" dirty="0"/>
+                  <a:t>記録した距離のうち、最大のものを異常スコアの素</a:t>
+                </a:r>
+                <a14:m>
+                  <m:oMath xmlns:m="http://schemas.openxmlformats.org/officeDocument/2006/math">
+                    <m:sSup>
+                      <m:sSupPr>
+                        <m:ctrlPr>
+                          <a:rPr lang="en-US" altLang="ja-JP" sz="2000" i="1">
+                            <a:latin typeface="Cambria Math" panose="02040503050406030204" pitchFamily="18" charset="0"/>
+                          </a:rPr>
+                        </m:ctrlPr>
+                      </m:sSupPr>
+                      <m:e>
+                        <m:r>
+                          <a:rPr lang="en-US" altLang="ja-JP" sz="2000" b="0" i="1" smtClean="0">
+                            <a:latin typeface="Cambria Math" panose="02040503050406030204" pitchFamily="18" charset="0"/>
+                          </a:rPr>
+                          <m:t> </m:t>
+                        </m:r>
+                        <m:r>
+                          <a:rPr lang="en-US" altLang="ja-JP" sz="2000" i="1">
+                            <a:latin typeface="Cambria Math" panose="02040503050406030204" pitchFamily="18" charset="0"/>
+                          </a:rPr>
+                          <m:t>𝑠</m:t>
+                        </m:r>
+                      </m:e>
+                      <m:sup>
+                        <m:r>
+                          <a:rPr lang="en-US" altLang="ja-JP" sz="2000" i="1">
+                            <a:latin typeface="Cambria Math" panose="02040503050406030204" pitchFamily="18" charset="0"/>
+                          </a:rPr>
+                          <m:t>∗</m:t>
+                        </m:r>
+                      </m:sup>
+                    </m:sSup>
+                  </m:oMath>
+                </a14:m>
+                <a:r>
+                  <a:rPr lang="ja-JP" altLang="en-US" sz="2000" dirty="0"/>
+                  <a:t>として採用。</a:t>
+                </a:r>
+                <a:endParaRPr lang="en-US" altLang="ja-JP" sz="2000" dirty="0"/>
+              </a:p>
+              <a:p>
+                <a:endParaRPr lang="en-US" altLang="ja-JP" dirty="0"/>
+              </a:p>
+              <a:p>
+                <a:endParaRPr lang="ja-JP" altLang="en-US" dirty="0"/>
+              </a:p>
+              <a:p>
+                <a:endParaRPr lang="en-US" altLang="ja-JP" dirty="0"/>
+              </a:p>
+            </p:txBody>
+          </p:sp>
+        </mc:Choice>
+        <mc:Fallback xmlns="">
+          <p:sp>
+            <p:nvSpPr>
+              <p:cNvPr id="5" name="テキスト ボックス 4">
+                <a:extLst>
+                  <a:ext uri="{FF2B5EF4-FFF2-40B4-BE49-F238E27FC236}">
+                    <a16:creationId xmlns:a16="http://schemas.microsoft.com/office/drawing/2014/main" id="{F1294C82-2161-45CA-B213-05280E7C32ED}"/>
+                  </a:ext>
+                </a:extLst>
+              </p:cNvPr>
+              <p:cNvSpPr txBox="1">
+                <a:spLocks noRot="1" noChangeAspect="1" noMove="1" noResize="1" noEditPoints="1" noAdjustHandles="1" noChangeArrowheads="1" noChangeShapeType="1" noTextEdit="1"/>
+              </p:cNvSpPr>
+              <p:nvPr/>
+            </p:nvSpPr>
+            <p:spPr>
+              <a:xfrm>
+                <a:off x="140676" y="1300784"/>
+                <a:ext cx="11896425" cy="1945789"/>
+              </a:xfrm>
+              <a:prstGeom prst="rect">
+                <a:avLst/>
+              </a:prstGeom>
+              <a:blipFill>
+                <a:blip r:embed="rId5"/>
+                <a:stretch>
+                  <a:fillRect l="-768" t="-2500"/>
+                </a:stretch>
+              </a:blipFill>
+            </p:spPr>
+            <p:txBody>
+              <a:bodyPr/>
+              <a:lstStyle/>
+              <a:p>
+                <a:r>
+                  <a:rPr lang="ja-JP" altLang="en-US">
+                    <a:noFill/>
+                  </a:rPr>
+                  <a:t> </a:t>
+                </a:r>
+              </a:p>
+            </p:txBody>
+          </p:sp>
+        </mc:Fallback>
+      </mc:AlternateContent>
+      <p:grpSp>
+        <p:nvGrpSpPr>
+          <p:cNvPr id="2" name="グループ化 1">
+            <a:extLst>
+              <a:ext uri="{FF2B5EF4-FFF2-40B4-BE49-F238E27FC236}">
+                <a16:creationId xmlns:a16="http://schemas.microsoft.com/office/drawing/2014/main" id="{ED9EB13F-54EF-4A05-BD5F-BDDF3FEFC1D2}"/>
+              </a:ext>
+            </a:extLst>
+          </p:cNvPr>
+          <p:cNvGrpSpPr/>
+          <p:nvPr/>
+        </p:nvGrpSpPr>
+        <p:grpSpPr>
+          <a:xfrm>
+            <a:off x="5479264" y="3941040"/>
+            <a:ext cx="3229040" cy="2197112"/>
+            <a:chOff x="7152608" y="3699439"/>
+            <a:chExt cx="1741679" cy="1185078"/>
+          </a:xfrm>
+        </p:grpSpPr>
+        <p:pic>
+          <p:nvPicPr>
+            <p:cNvPr id="8" name="Picture 2">
+              <a:extLst>
+                <a:ext uri="{FF2B5EF4-FFF2-40B4-BE49-F238E27FC236}">
+                  <a16:creationId xmlns:a16="http://schemas.microsoft.com/office/drawing/2014/main" id="{D174A661-CBBC-1DBB-76B3-F0C9D5A5BA02}"/>
+                </a:ext>
+              </a:extLst>
+            </p:cNvPr>
+            <p:cNvPicPr>
+              <a:picLocks noChangeAspect="1" noChangeArrowheads="1"/>
+            </p:cNvPicPr>
+            <p:nvPr/>
+          </p:nvPicPr>
+          <p:blipFill rotWithShape="1">
+            <a:blip r:embed="rId6">
+              <a:extLst>
+                <a:ext uri="{28A0092B-C50C-407E-A947-70E740481C1C}">
+                  <a14:useLocalDpi xmlns:a14="http://schemas.microsoft.com/office/drawing/2010/main" val="0"/>
+                </a:ext>
+              </a:extLst>
+            </a:blip>
+            <a:srcRect l="37309" r="34418" b="55785"/>
+            <a:stretch/>
+          </p:blipFill>
+          <p:spPr bwMode="auto">
+            <a:xfrm>
+              <a:off x="7482230" y="3699439"/>
+              <a:ext cx="1372403" cy="1185078"/>
+            </a:xfrm>
+            <a:prstGeom prst="rect">
+              <a:avLst/>
+            </a:prstGeom>
+            <a:noFill/>
+            <a:extLst>
+              <a:ext uri="{909E8E84-426E-40DD-AFC4-6F175D3DCCD1}">
+                <a14:hiddenFill xmlns:a14="http://schemas.microsoft.com/office/drawing/2010/main">
+                  <a:solidFill>
+                    <a:srgbClr val="FFFFFF"/>
+                  </a:solidFill>
+                </a14:hiddenFill>
+              </a:ext>
+            </a:extLst>
+          </p:spPr>
+        </p:pic>
+        <p:sp>
+          <p:nvSpPr>
+            <p:cNvPr id="9" name="テキスト ボックス 8">
+              <a:extLst>
+                <a:ext uri="{FF2B5EF4-FFF2-40B4-BE49-F238E27FC236}">
+                  <a16:creationId xmlns:a16="http://schemas.microsoft.com/office/drawing/2014/main" id="{DEA78A11-3873-C0F8-A3A0-032CD1F1F939}"/>
+                </a:ext>
+              </a:extLst>
+            </p:cNvPr>
+            <p:cNvSpPr txBox="1"/>
+            <p:nvPr/>
+          </p:nvSpPr>
+          <p:spPr>
+            <a:xfrm>
+              <a:off x="7152608" y="3829444"/>
+              <a:ext cx="1741679" cy="149408"/>
+            </a:xfrm>
+            <a:prstGeom prst="rect">
+              <a:avLst/>
+            </a:prstGeom>
+            <a:solidFill>
+              <a:schemeClr val="bg1"/>
+            </a:solidFill>
+          </p:spPr>
+          <p:txBody>
+            <a:bodyPr wrap="square" rtlCol="0">
+              <a:spAutoFit/>
+            </a:bodyPr>
+            <a:lstStyle/>
+            <a:p>
+              <a:pPr algn="ctr"/>
+              <a:r>
+                <a:rPr kumimoji="1" lang="ja-JP" altLang="en-US" sz="1200" dirty="0"/>
+                <a:t>メモリバンクのイメージ</a:t>
+              </a:r>
+            </a:p>
+          </p:txBody>
+        </p:sp>
+        <p:sp>
+          <p:nvSpPr>
+            <p:cNvPr id="10" name="正方形/長方形 9">
+              <a:extLst>
+                <a:ext uri="{FF2B5EF4-FFF2-40B4-BE49-F238E27FC236}">
+                  <a16:creationId xmlns:a16="http://schemas.microsoft.com/office/drawing/2014/main" id="{6FFF108E-6715-59B8-6E2E-C4456FF9ED09}"/>
+                </a:ext>
+              </a:extLst>
+            </p:cNvPr>
+            <p:cNvSpPr/>
+            <p:nvPr/>
+          </p:nvSpPr>
+          <p:spPr>
+            <a:xfrm>
+              <a:off x="7340414" y="3994265"/>
+              <a:ext cx="1514219" cy="819036"/>
+            </a:xfrm>
+            <a:prstGeom prst="rect">
+              <a:avLst/>
+            </a:prstGeom>
+            <a:noFill/>
+            <a:ln w="38100">
+              <a:solidFill>
+                <a:schemeClr val="tx1"/>
+              </a:solidFill>
+            </a:ln>
+          </p:spPr>
+          <p:style>
+            <a:lnRef idx="2">
+              <a:schemeClr val="accent1">
+                <a:shade val="50000"/>
+              </a:schemeClr>
+            </a:lnRef>
+            <a:fillRef idx="1">
+              <a:schemeClr val="accent1"/>
+            </a:fillRef>
+            <a:effectRef idx="0">
+              <a:schemeClr val="accent1"/>
+            </a:effectRef>
+            <a:fontRef idx="minor">
+              <a:schemeClr val="lt1"/>
+            </a:fontRef>
+          </p:style>
+          <p:txBody>
+            <a:bodyPr rtlCol="0" anchor="ctr"/>
+            <a:lstStyle/>
+            <a:p>
+              <a:pPr algn="ctr"/>
+              <a:endParaRPr kumimoji="1" lang="ja-JP" altLang="en-US"/>
+            </a:p>
+          </p:txBody>
+        </p:sp>
+      </p:grpSp>
+      <p:pic>
+        <p:nvPicPr>
+          <p:cNvPr id="11" name="図 10">
+            <a:extLst>
+              <a:ext uri="{FF2B5EF4-FFF2-40B4-BE49-F238E27FC236}">
+                <a16:creationId xmlns:a16="http://schemas.microsoft.com/office/drawing/2014/main" id="{ECC310CB-F6DC-48A1-3A86-284011C3F084}"/>
+              </a:ext>
+            </a:extLst>
+          </p:cNvPr>
+          <p:cNvPicPr>
+            <a:picLocks noChangeAspect="1"/>
+          </p:cNvPicPr>
+          <p:nvPr/>
+        </p:nvPicPr>
+        <p:blipFill>
+          <a:blip r:embed="rId7"/>
+          <a:stretch>
+            <a:fillRect/>
+          </a:stretch>
+        </p:blipFill>
+        <p:spPr>
+          <a:xfrm>
+            <a:off x="449018" y="3162959"/>
+            <a:ext cx="1465313" cy="1337895"/>
+          </a:xfrm>
+          <a:prstGeom prst="rect">
+            <a:avLst/>
+          </a:prstGeom>
+        </p:spPr>
+      </p:pic>
+      <p:cxnSp>
+        <p:nvCxnSpPr>
+          <p:cNvPr id="14" name="コネクタ: 曲線 13">
+            <a:extLst>
+              <a:ext uri="{FF2B5EF4-FFF2-40B4-BE49-F238E27FC236}">
+                <a16:creationId xmlns:a16="http://schemas.microsoft.com/office/drawing/2014/main" id="{1EE7AC4C-BDCF-2B6C-9A05-0CD0F00FD0AD}"/>
+              </a:ext>
+            </a:extLst>
+          </p:cNvPr>
+          <p:cNvCxnSpPr>
+            <a:cxnSpLocks/>
+          </p:cNvCxnSpPr>
+          <p:nvPr/>
+        </p:nvCxnSpPr>
+        <p:spPr>
+          <a:xfrm>
+            <a:off x="3783869" y="3699873"/>
+            <a:ext cx="2440719" cy="1377207"/>
+          </a:xfrm>
+          <a:prstGeom prst="curvedConnector3">
+            <a:avLst/>
+          </a:prstGeom>
+          <a:ln>
+            <a:solidFill>
+              <a:schemeClr val="accent5">
+                <a:lumMod val="75000"/>
+              </a:schemeClr>
+            </a:solidFill>
+            <a:tailEnd type="triangle"/>
+          </a:ln>
+        </p:spPr>
+        <p:style>
+          <a:lnRef idx="1">
+            <a:schemeClr val="accent1"/>
+          </a:lnRef>
+          <a:fillRef idx="0">
+            <a:schemeClr val="accent1"/>
+          </a:fillRef>
+          <a:effectRef idx="0">
+            <a:schemeClr val="accent1"/>
+          </a:effectRef>
+          <a:fontRef idx="minor">
+            <a:schemeClr val="tx1"/>
+          </a:fontRef>
+        </p:style>
+      </p:cxnSp>
       <p:sp>
         <p:nvSpPr>
-          <p:cNvPr id="4" name="TextBox 3">
+          <p:cNvPr id="15" name="テキスト ボックス 14">
             <a:extLst>
               <a:ext uri="{FF2B5EF4-FFF2-40B4-BE49-F238E27FC236}">
-                <a16:creationId xmlns:a16="http://schemas.microsoft.com/office/drawing/2014/main" id="{58CECEC3-FDFA-4105-AAAB-B509D98AACFD}"/>
+                <a16:creationId xmlns:a16="http://schemas.microsoft.com/office/drawing/2014/main" id="{DF94BC8A-B2E1-0DB3-1C22-5F9ED9EAFABF}"/>
               </a:ext>
             </a:extLst>
           </p:cNvPr>
@@ -8771,8 +10154,852 @@
         </p:nvSpPr>
         <p:spPr>
           <a:xfrm>
-            <a:off x="449017" y="269481"/>
-            <a:ext cx="9263394" cy="707886"/>
+            <a:off x="449017" y="2741186"/>
+            <a:ext cx="1465314" cy="369332"/>
+          </a:xfrm>
+          <a:prstGeom prst="rect">
+            <a:avLst/>
+          </a:prstGeom>
+          <a:noFill/>
+          <a:ln>
+            <a:solidFill>
+              <a:schemeClr val="tx1"/>
+            </a:solidFill>
+          </a:ln>
+        </p:spPr>
+        <p:txBody>
+          <a:bodyPr wrap="square" rtlCol="0">
+            <a:spAutoFit/>
+          </a:bodyPr>
+          <a:lstStyle/>
+          <a:p>
+            <a:pPr algn="ctr"/>
+            <a:r>
+              <a:rPr lang="ja-JP" altLang="en-US" dirty="0"/>
+              <a:t>テスト</a:t>
+            </a:r>
+            <a:r>
+              <a:rPr kumimoji="1" lang="ja-JP" altLang="en-US" dirty="0"/>
+              <a:t>画像</a:t>
+            </a:r>
+          </a:p>
+        </p:txBody>
+      </p:sp>
+      <p:sp>
+        <p:nvSpPr>
+          <p:cNvPr id="16" name="楕円 15">
+            <a:extLst>
+              <a:ext uri="{FF2B5EF4-FFF2-40B4-BE49-F238E27FC236}">
+                <a16:creationId xmlns:a16="http://schemas.microsoft.com/office/drawing/2014/main" id="{C1396473-EEF2-98CC-AD7C-8E28D21F3300}"/>
+              </a:ext>
+            </a:extLst>
+          </p:cNvPr>
+          <p:cNvSpPr/>
+          <p:nvPr/>
+        </p:nvSpPr>
+        <p:spPr>
+          <a:xfrm>
+            <a:off x="6693760" y="5485986"/>
+            <a:ext cx="86428" cy="86428"/>
+          </a:xfrm>
+          <a:prstGeom prst="ellipse">
+            <a:avLst/>
+          </a:prstGeom>
+          <a:solidFill>
+            <a:srgbClr val="FFFF00"/>
+          </a:solidFill>
+          <a:ln>
+            <a:solidFill>
+              <a:schemeClr val="tx1"/>
+            </a:solidFill>
+          </a:ln>
+        </p:spPr>
+        <p:style>
+          <a:lnRef idx="2">
+            <a:schemeClr val="accent4">
+              <a:shade val="50000"/>
+            </a:schemeClr>
+          </a:lnRef>
+          <a:fillRef idx="1">
+            <a:schemeClr val="accent4"/>
+          </a:fillRef>
+          <a:effectRef idx="0">
+            <a:schemeClr val="accent4"/>
+          </a:effectRef>
+          <a:fontRef idx="minor">
+            <a:schemeClr val="lt1"/>
+          </a:fontRef>
+        </p:style>
+        <p:txBody>
+          <a:bodyPr rtlCol="0" anchor="ctr"/>
+          <a:lstStyle/>
+          <a:p>
+            <a:pPr algn="ctr"/>
+            <a:endParaRPr kumimoji="1" lang="ja-JP" altLang="en-US"/>
+          </a:p>
+        </p:txBody>
+      </p:sp>
+      <p:sp>
+        <p:nvSpPr>
+          <p:cNvPr id="20" name="テキスト ボックス 19">
+            <a:extLst>
+              <a:ext uri="{FF2B5EF4-FFF2-40B4-BE49-F238E27FC236}">
+                <a16:creationId xmlns:a16="http://schemas.microsoft.com/office/drawing/2014/main" id="{206DE8B7-CE01-971B-00B9-F313E97563F5}"/>
+              </a:ext>
+            </a:extLst>
+          </p:cNvPr>
+          <p:cNvSpPr txBox="1"/>
+          <p:nvPr/>
+        </p:nvSpPr>
+        <p:spPr>
+          <a:xfrm>
+            <a:off x="2520954" y="2709613"/>
+            <a:ext cx="953124" cy="369332"/>
+          </a:xfrm>
+          <a:prstGeom prst="rect">
+            <a:avLst/>
+          </a:prstGeom>
+          <a:noFill/>
+          <a:ln>
+            <a:solidFill>
+              <a:schemeClr val="tx1"/>
+            </a:solidFill>
+          </a:ln>
+        </p:spPr>
+        <p:txBody>
+          <a:bodyPr wrap="square" rtlCol="0">
+            <a:spAutoFit/>
+          </a:bodyPr>
+          <a:lstStyle/>
+          <a:p>
+            <a:pPr algn="ctr"/>
+            <a:r>
+              <a:rPr kumimoji="1" lang="ja-JP" altLang="en-US" dirty="0"/>
+              <a:t>パッチ</a:t>
+            </a:r>
+          </a:p>
+        </p:txBody>
+      </p:sp>
+      <p:cxnSp>
+        <p:nvCxnSpPr>
+          <p:cNvPr id="27" name="コネクタ: 曲線 26">
+            <a:extLst>
+              <a:ext uri="{FF2B5EF4-FFF2-40B4-BE49-F238E27FC236}">
+                <a16:creationId xmlns:a16="http://schemas.microsoft.com/office/drawing/2014/main" id="{9C705CC0-89B0-3150-DD50-CF5A3ED3D8C9}"/>
+              </a:ext>
+            </a:extLst>
+          </p:cNvPr>
+          <p:cNvCxnSpPr>
+            <a:cxnSpLocks/>
+          </p:cNvCxnSpPr>
+          <p:nvPr/>
+        </p:nvCxnSpPr>
+        <p:spPr>
+          <a:xfrm>
+            <a:off x="3983438" y="3934539"/>
+            <a:ext cx="2533826" cy="1183022"/>
+          </a:xfrm>
+          <a:prstGeom prst="curvedConnector3">
+            <a:avLst>
+              <a:gd name="adj1" fmla="val 50000"/>
+            </a:avLst>
+          </a:prstGeom>
+          <a:ln>
+            <a:solidFill>
+              <a:schemeClr val="accent5">
+                <a:lumMod val="75000"/>
+              </a:schemeClr>
+            </a:solidFill>
+            <a:tailEnd type="triangle"/>
+          </a:ln>
+        </p:spPr>
+        <p:style>
+          <a:lnRef idx="1">
+            <a:schemeClr val="accent1"/>
+          </a:lnRef>
+          <a:fillRef idx="0">
+            <a:schemeClr val="accent1"/>
+          </a:fillRef>
+          <a:effectRef idx="0">
+            <a:schemeClr val="accent1"/>
+          </a:effectRef>
+          <a:fontRef idx="minor">
+            <a:schemeClr val="tx1"/>
+          </a:fontRef>
+        </p:style>
+      </p:cxnSp>
+      <p:cxnSp>
+        <p:nvCxnSpPr>
+          <p:cNvPr id="32" name="コネクタ: 曲線 31">
+            <a:extLst>
+              <a:ext uri="{FF2B5EF4-FFF2-40B4-BE49-F238E27FC236}">
+                <a16:creationId xmlns:a16="http://schemas.microsoft.com/office/drawing/2014/main" id="{FBFFB261-9AE2-EA5D-D974-ED48CA9EA1E7}"/>
+              </a:ext>
+            </a:extLst>
+          </p:cNvPr>
+          <p:cNvCxnSpPr>
+            <a:cxnSpLocks/>
+          </p:cNvCxnSpPr>
+          <p:nvPr/>
+        </p:nvCxnSpPr>
+        <p:spPr>
+          <a:xfrm>
+            <a:off x="3953743" y="3831906"/>
+            <a:ext cx="3001145" cy="1740508"/>
+          </a:xfrm>
+          <a:prstGeom prst="curvedConnector3">
+            <a:avLst/>
+          </a:prstGeom>
+          <a:ln>
+            <a:solidFill>
+              <a:schemeClr val="accent5">
+                <a:lumMod val="75000"/>
+              </a:schemeClr>
+            </a:solidFill>
+            <a:tailEnd type="triangle"/>
+          </a:ln>
+        </p:spPr>
+        <p:style>
+          <a:lnRef idx="1">
+            <a:schemeClr val="accent1"/>
+          </a:lnRef>
+          <a:fillRef idx="0">
+            <a:schemeClr val="accent1"/>
+          </a:fillRef>
+          <a:effectRef idx="0">
+            <a:schemeClr val="accent1"/>
+          </a:effectRef>
+          <a:fontRef idx="minor">
+            <a:schemeClr val="tx1"/>
+          </a:fontRef>
+        </p:style>
+      </p:cxnSp>
+      <p:cxnSp>
+        <p:nvCxnSpPr>
+          <p:cNvPr id="35" name="コネクタ: 曲線 34">
+            <a:extLst>
+              <a:ext uri="{FF2B5EF4-FFF2-40B4-BE49-F238E27FC236}">
+                <a16:creationId xmlns:a16="http://schemas.microsoft.com/office/drawing/2014/main" id="{64658339-0B5C-35CE-B32D-1ACD0EF449F3}"/>
+              </a:ext>
+            </a:extLst>
+          </p:cNvPr>
+          <p:cNvCxnSpPr>
+            <a:cxnSpLocks/>
+          </p:cNvCxnSpPr>
+          <p:nvPr/>
+        </p:nvCxnSpPr>
+        <p:spPr>
+          <a:xfrm>
+            <a:off x="3983438" y="3660678"/>
+            <a:ext cx="2833287" cy="1714041"/>
+          </a:xfrm>
+          <a:prstGeom prst="curvedConnector3">
+            <a:avLst>
+              <a:gd name="adj1" fmla="val 50000"/>
+            </a:avLst>
+          </a:prstGeom>
+          <a:ln>
+            <a:solidFill>
+              <a:schemeClr val="accent5">
+                <a:lumMod val="75000"/>
+              </a:schemeClr>
+            </a:solidFill>
+            <a:tailEnd type="triangle"/>
+          </a:ln>
+        </p:spPr>
+        <p:style>
+          <a:lnRef idx="1">
+            <a:schemeClr val="accent1"/>
+          </a:lnRef>
+          <a:fillRef idx="0">
+            <a:schemeClr val="accent1"/>
+          </a:fillRef>
+          <a:effectRef idx="0">
+            <a:schemeClr val="accent1"/>
+          </a:effectRef>
+          <a:fontRef idx="minor">
+            <a:schemeClr val="tx1"/>
+          </a:fontRef>
+        </p:style>
+      </p:cxnSp>
+      <p:sp>
+        <p:nvSpPr>
+          <p:cNvPr id="44" name="楕円 43">
+            <a:extLst>
+              <a:ext uri="{FF2B5EF4-FFF2-40B4-BE49-F238E27FC236}">
+                <a16:creationId xmlns:a16="http://schemas.microsoft.com/office/drawing/2014/main" id="{E4F74A08-4CEC-1F51-799E-76F8D200BE14}"/>
+              </a:ext>
+            </a:extLst>
+          </p:cNvPr>
+          <p:cNvSpPr/>
+          <p:nvPr/>
+        </p:nvSpPr>
+        <p:spPr>
+          <a:xfrm>
+            <a:off x="6664854" y="4940794"/>
+            <a:ext cx="86428" cy="86428"/>
+          </a:xfrm>
+          <a:prstGeom prst="ellipse">
+            <a:avLst/>
+          </a:prstGeom>
+          <a:solidFill>
+            <a:srgbClr val="FFFF00"/>
+          </a:solidFill>
+          <a:ln>
+            <a:solidFill>
+              <a:schemeClr val="tx1"/>
+            </a:solidFill>
+          </a:ln>
+        </p:spPr>
+        <p:style>
+          <a:lnRef idx="2">
+            <a:schemeClr val="accent4">
+              <a:shade val="50000"/>
+            </a:schemeClr>
+          </a:lnRef>
+          <a:fillRef idx="1">
+            <a:schemeClr val="accent4"/>
+          </a:fillRef>
+          <a:effectRef idx="0">
+            <a:schemeClr val="accent4"/>
+          </a:effectRef>
+          <a:fontRef idx="minor">
+            <a:schemeClr val="lt1"/>
+          </a:fontRef>
+        </p:style>
+        <p:txBody>
+          <a:bodyPr rtlCol="0" anchor="ctr"/>
+          <a:lstStyle/>
+          <a:p>
+            <a:pPr algn="ctr"/>
+            <a:endParaRPr kumimoji="1" lang="ja-JP" altLang="en-US"/>
+          </a:p>
+        </p:txBody>
+      </p:sp>
+      <p:sp>
+        <p:nvSpPr>
+          <p:cNvPr id="45" name="楕円 44">
+            <a:extLst>
+              <a:ext uri="{FF2B5EF4-FFF2-40B4-BE49-F238E27FC236}">
+                <a16:creationId xmlns:a16="http://schemas.microsoft.com/office/drawing/2014/main" id="{DDC43F4A-BD76-D897-2EA5-84F5DFB9DA9C}"/>
+              </a:ext>
+            </a:extLst>
+          </p:cNvPr>
+          <p:cNvSpPr/>
+          <p:nvPr/>
+        </p:nvSpPr>
+        <p:spPr>
+          <a:xfrm>
+            <a:off x="6336680" y="4900215"/>
+            <a:ext cx="86428" cy="86428"/>
+          </a:xfrm>
+          <a:prstGeom prst="ellipse">
+            <a:avLst/>
+          </a:prstGeom>
+          <a:solidFill>
+            <a:srgbClr val="FFFF00"/>
+          </a:solidFill>
+          <a:ln>
+            <a:solidFill>
+              <a:schemeClr val="tx1"/>
+            </a:solidFill>
+          </a:ln>
+        </p:spPr>
+        <p:style>
+          <a:lnRef idx="2">
+            <a:schemeClr val="accent4">
+              <a:shade val="50000"/>
+            </a:schemeClr>
+          </a:lnRef>
+          <a:fillRef idx="1">
+            <a:schemeClr val="accent4"/>
+          </a:fillRef>
+          <a:effectRef idx="0">
+            <a:schemeClr val="accent4"/>
+          </a:effectRef>
+          <a:fontRef idx="minor">
+            <a:schemeClr val="lt1"/>
+          </a:fontRef>
+        </p:style>
+        <p:txBody>
+          <a:bodyPr rtlCol="0" anchor="ctr"/>
+          <a:lstStyle/>
+          <a:p>
+            <a:pPr algn="ctr"/>
+            <a:endParaRPr kumimoji="1" lang="ja-JP" altLang="en-US"/>
+          </a:p>
+        </p:txBody>
+      </p:sp>
+      <p:sp>
+        <p:nvSpPr>
+          <p:cNvPr id="46" name="楕円 45">
+            <a:extLst>
+              <a:ext uri="{FF2B5EF4-FFF2-40B4-BE49-F238E27FC236}">
+                <a16:creationId xmlns:a16="http://schemas.microsoft.com/office/drawing/2014/main" id="{E484577E-1166-168F-7ABD-55B72734F994}"/>
+              </a:ext>
+            </a:extLst>
+          </p:cNvPr>
+          <p:cNvSpPr/>
+          <p:nvPr/>
+        </p:nvSpPr>
+        <p:spPr>
+          <a:xfrm flipH="1">
+            <a:off x="512223" y="5780975"/>
+            <a:ext cx="138630" cy="138630"/>
+          </a:xfrm>
+          <a:prstGeom prst="ellipse">
+            <a:avLst/>
+          </a:prstGeom>
+          <a:solidFill>
+            <a:srgbClr val="FFFF00"/>
+          </a:solidFill>
+          <a:ln>
+            <a:solidFill>
+              <a:schemeClr val="tx1"/>
+            </a:solidFill>
+          </a:ln>
+        </p:spPr>
+        <p:style>
+          <a:lnRef idx="2">
+            <a:schemeClr val="accent4">
+              <a:shade val="50000"/>
+            </a:schemeClr>
+          </a:lnRef>
+          <a:fillRef idx="1">
+            <a:schemeClr val="accent4"/>
+          </a:fillRef>
+          <a:effectRef idx="0">
+            <a:schemeClr val="accent4"/>
+          </a:effectRef>
+          <a:fontRef idx="minor">
+            <a:schemeClr val="lt1"/>
+          </a:fontRef>
+        </p:style>
+        <p:txBody>
+          <a:bodyPr rtlCol="0" anchor="ctr"/>
+          <a:lstStyle/>
+          <a:p>
+            <a:pPr algn="ctr"/>
+            <a:endParaRPr kumimoji="1" lang="ja-JP" altLang="en-US"/>
+          </a:p>
+        </p:txBody>
+      </p:sp>
+      <p:sp>
+        <p:nvSpPr>
+          <p:cNvPr id="47" name="テキスト ボックス 46">
+            <a:extLst>
+              <a:ext uri="{FF2B5EF4-FFF2-40B4-BE49-F238E27FC236}">
+                <a16:creationId xmlns:a16="http://schemas.microsoft.com/office/drawing/2014/main" id="{BA88B3DD-32AC-E0A4-6D29-A1B1B9F211EA}"/>
+              </a:ext>
+            </a:extLst>
+          </p:cNvPr>
+          <p:cNvSpPr txBox="1"/>
+          <p:nvPr/>
+        </p:nvSpPr>
+        <p:spPr>
+          <a:xfrm>
+            <a:off x="581538" y="5686946"/>
+            <a:ext cx="4693326" cy="584775"/>
+          </a:xfrm>
+          <a:prstGeom prst="rect">
+            <a:avLst/>
+          </a:prstGeom>
+          <a:noFill/>
+          <a:ln>
+            <a:noFill/>
+          </a:ln>
+        </p:spPr>
+        <p:txBody>
+          <a:bodyPr wrap="square" rtlCol="0">
+            <a:spAutoFit/>
+          </a:bodyPr>
+          <a:lstStyle/>
+          <a:p>
+            <a:pPr algn="ctr"/>
+            <a:r>
+              <a:rPr kumimoji="1" lang="en-US" altLang="ja-JP" sz="1600" dirty="0"/>
+              <a:t>…  </a:t>
+            </a:r>
+            <a:r>
+              <a:rPr kumimoji="1" lang="ja-JP" altLang="en-US" sz="1600" dirty="0"/>
+              <a:t>テスト画像のパッチと一番似ている</a:t>
+            </a:r>
+            <a:r>
+              <a:rPr kumimoji="1" lang="en-US" altLang="ja-JP" sz="1600" dirty="0"/>
+              <a:t>(</a:t>
+            </a:r>
+            <a:r>
+              <a:rPr kumimoji="1" lang="ja-JP" altLang="en-US" sz="1600" dirty="0"/>
+              <a:t>近い</a:t>
+            </a:r>
+            <a:r>
+              <a:rPr kumimoji="1" lang="en-US" altLang="ja-JP" sz="1600" dirty="0"/>
+              <a:t>)</a:t>
+            </a:r>
+            <a:r>
+              <a:rPr kumimoji="1" lang="ja-JP" altLang="en-US" sz="1600" dirty="0"/>
+              <a:t>点</a:t>
+            </a:r>
+            <a:endParaRPr kumimoji="1" lang="en-US" altLang="ja-JP" sz="1600" dirty="0"/>
+          </a:p>
+          <a:p>
+            <a:pPr algn="ctr"/>
+            <a:endParaRPr kumimoji="1" lang="ja-JP" altLang="en-US" sz="1600" dirty="0"/>
+          </a:p>
+        </p:txBody>
+      </p:sp>
+      <p:pic>
+        <p:nvPicPr>
+          <p:cNvPr id="33" name="図 32">
+            <a:extLst>
+              <a:ext uri="{FF2B5EF4-FFF2-40B4-BE49-F238E27FC236}">
+                <a16:creationId xmlns:a16="http://schemas.microsoft.com/office/drawing/2014/main" id="{B6776B0C-EE83-C63D-EEFF-DBFF9A1B25E5}"/>
+              </a:ext>
+            </a:extLst>
+          </p:cNvPr>
+          <p:cNvPicPr>
+            <a:picLocks noChangeAspect="1"/>
+          </p:cNvPicPr>
+          <p:nvPr/>
+        </p:nvPicPr>
+        <p:blipFill>
+          <a:blip r:embed="rId8"/>
+          <a:stretch>
+            <a:fillRect/>
+          </a:stretch>
+        </p:blipFill>
+        <p:spPr>
+          <a:xfrm>
+            <a:off x="9129576" y="3611428"/>
+            <a:ext cx="2698450" cy="2698450"/>
+          </a:xfrm>
+          <a:prstGeom prst="rect">
+            <a:avLst/>
+          </a:prstGeom>
+        </p:spPr>
+      </p:pic>
+      <p:cxnSp>
+        <p:nvCxnSpPr>
+          <p:cNvPr id="38" name="直線矢印コネクタ 37">
+            <a:extLst>
+              <a:ext uri="{FF2B5EF4-FFF2-40B4-BE49-F238E27FC236}">
+                <a16:creationId xmlns:a16="http://schemas.microsoft.com/office/drawing/2014/main" id="{4E6860DE-9BC8-E9D8-EC96-582AD3920A03}"/>
+              </a:ext>
+            </a:extLst>
+          </p:cNvPr>
+          <p:cNvCxnSpPr>
+            <a:cxnSpLocks/>
+          </p:cNvCxnSpPr>
+          <p:nvPr/>
+        </p:nvCxnSpPr>
+        <p:spPr>
+          <a:xfrm flipV="1">
+            <a:off x="10272713" y="4182067"/>
+            <a:ext cx="206088" cy="251821"/>
+          </a:xfrm>
+          <a:prstGeom prst="straightConnector1">
+            <a:avLst/>
+          </a:prstGeom>
+          <a:ln w="38100">
+            <a:solidFill>
+              <a:schemeClr val="accent2"/>
+            </a:solidFill>
+            <a:headEnd type="triangle"/>
+            <a:tailEnd type="triangle"/>
+          </a:ln>
+        </p:spPr>
+        <p:style>
+          <a:lnRef idx="1">
+            <a:schemeClr val="accent1"/>
+          </a:lnRef>
+          <a:fillRef idx="0">
+            <a:schemeClr val="accent1"/>
+          </a:fillRef>
+          <a:effectRef idx="0">
+            <a:schemeClr val="accent1"/>
+          </a:effectRef>
+          <a:fontRef idx="minor">
+            <a:schemeClr val="tx1"/>
+          </a:fontRef>
+        </p:style>
+      </p:cxnSp>
+      <p:cxnSp>
+        <p:nvCxnSpPr>
+          <p:cNvPr id="43" name="直線矢印コネクタ 42">
+            <a:extLst>
+              <a:ext uri="{FF2B5EF4-FFF2-40B4-BE49-F238E27FC236}">
+                <a16:creationId xmlns:a16="http://schemas.microsoft.com/office/drawing/2014/main" id="{07F6A40E-E005-AC08-1D68-051C266587C4}"/>
+              </a:ext>
+            </a:extLst>
+          </p:cNvPr>
+          <p:cNvCxnSpPr>
+            <a:cxnSpLocks/>
+          </p:cNvCxnSpPr>
+          <p:nvPr/>
+        </p:nvCxnSpPr>
+        <p:spPr>
+          <a:xfrm flipV="1">
+            <a:off x="10751249" y="4262438"/>
+            <a:ext cx="279430" cy="225586"/>
+          </a:xfrm>
+          <a:prstGeom prst="straightConnector1">
+            <a:avLst/>
+          </a:prstGeom>
+          <a:ln w="38100">
+            <a:solidFill>
+              <a:schemeClr val="accent2"/>
+            </a:solidFill>
+            <a:headEnd type="triangle"/>
+            <a:tailEnd type="triangle"/>
+          </a:ln>
+        </p:spPr>
+        <p:style>
+          <a:lnRef idx="1">
+            <a:schemeClr val="accent1"/>
+          </a:lnRef>
+          <a:fillRef idx="0">
+            <a:schemeClr val="accent1"/>
+          </a:fillRef>
+          <a:effectRef idx="0">
+            <a:schemeClr val="accent1"/>
+          </a:effectRef>
+          <a:fontRef idx="minor">
+            <a:schemeClr val="tx1"/>
+          </a:fontRef>
+        </p:style>
+      </p:cxnSp>
+      <p:cxnSp>
+        <p:nvCxnSpPr>
+          <p:cNvPr id="51" name="直線矢印コネクタ 50">
+            <a:extLst>
+              <a:ext uri="{FF2B5EF4-FFF2-40B4-BE49-F238E27FC236}">
+                <a16:creationId xmlns:a16="http://schemas.microsoft.com/office/drawing/2014/main" id="{220F5183-3EC7-D4CF-B14B-8258ADADEB7C}"/>
+              </a:ext>
+            </a:extLst>
+          </p:cNvPr>
+          <p:cNvCxnSpPr>
+            <a:cxnSpLocks/>
+          </p:cNvCxnSpPr>
+          <p:nvPr/>
+        </p:nvCxnSpPr>
+        <p:spPr>
+          <a:xfrm flipV="1">
+            <a:off x="11075194" y="4960653"/>
+            <a:ext cx="222613" cy="268572"/>
+          </a:xfrm>
+          <a:prstGeom prst="straightConnector1">
+            <a:avLst/>
+          </a:prstGeom>
+          <a:ln w="38100">
+            <a:solidFill>
+              <a:schemeClr val="accent2"/>
+            </a:solidFill>
+            <a:headEnd type="triangle"/>
+            <a:tailEnd type="triangle"/>
+          </a:ln>
+        </p:spPr>
+        <p:style>
+          <a:lnRef idx="1">
+            <a:schemeClr val="accent1"/>
+          </a:lnRef>
+          <a:fillRef idx="0">
+            <a:schemeClr val="accent1"/>
+          </a:fillRef>
+          <a:effectRef idx="0">
+            <a:schemeClr val="accent1"/>
+          </a:effectRef>
+          <a:fontRef idx="minor">
+            <a:schemeClr val="tx1"/>
+          </a:fontRef>
+        </p:style>
+      </p:cxnSp>
+      <p:cxnSp>
+        <p:nvCxnSpPr>
+          <p:cNvPr id="52" name="直線矢印コネクタ 51">
+            <a:extLst>
+              <a:ext uri="{FF2B5EF4-FFF2-40B4-BE49-F238E27FC236}">
+                <a16:creationId xmlns:a16="http://schemas.microsoft.com/office/drawing/2014/main" id="{9CD85315-AFA1-9ED4-2166-DAFD9FB937B9}"/>
+              </a:ext>
+            </a:extLst>
+          </p:cNvPr>
+          <p:cNvCxnSpPr>
+            <a:cxnSpLocks/>
+          </p:cNvCxnSpPr>
+          <p:nvPr/>
+        </p:nvCxnSpPr>
+        <p:spPr>
+          <a:xfrm>
+            <a:off x="11082337" y="5233987"/>
+            <a:ext cx="482169" cy="59419"/>
+          </a:xfrm>
+          <a:prstGeom prst="straightConnector1">
+            <a:avLst/>
+          </a:prstGeom>
+          <a:ln w="38100">
+            <a:solidFill>
+              <a:schemeClr val="accent2"/>
+            </a:solidFill>
+            <a:headEnd type="triangle"/>
+            <a:tailEnd type="triangle"/>
+          </a:ln>
+        </p:spPr>
+        <p:style>
+          <a:lnRef idx="1">
+            <a:schemeClr val="accent1"/>
+          </a:lnRef>
+          <a:fillRef idx="0">
+            <a:schemeClr val="accent1"/>
+          </a:fillRef>
+          <a:effectRef idx="0">
+            <a:schemeClr val="accent1"/>
+          </a:effectRef>
+          <a:fontRef idx="minor">
+            <a:schemeClr val="tx1"/>
+          </a:fontRef>
+        </p:style>
+      </p:cxnSp>
+      <p:cxnSp>
+        <p:nvCxnSpPr>
+          <p:cNvPr id="54" name="直線矢印コネクタ 53">
+            <a:extLst>
+              <a:ext uri="{FF2B5EF4-FFF2-40B4-BE49-F238E27FC236}">
+                <a16:creationId xmlns:a16="http://schemas.microsoft.com/office/drawing/2014/main" id="{5D9206C5-95DC-413B-6B33-E73AAA9A36EC}"/>
+              </a:ext>
+            </a:extLst>
+          </p:cNvPr>
+          <p:cNvCxnSpPr>
+            <a:cxnSpLocks/>
+          </p:cNvCxnSpPr>
+          <p:nvPr/>
+        </p:nvCxnSpPr>
+        <p:spPr>
+          <a:xfrm flipV="1">
+            <a:off x="435240" y="6184525"/>
+            <a:ext cx="206088" cy="251821"/>
+          </a:xfrm>
+          <a:prstGeom prst="straightConnector1">
+            <a:avLst/>
+          </a:prstGeom>
+          <a:ln w="38100">
+            <a:solidFill>
+              <a:schemeClr val="accent2"/>
+            </a:solidFill>
+            <a:headEnd type="triangle"/>
+            <a:tailEnd type="triangle"/>
+          </a:ln>
+        </p:spPr>
+        <p:style>
+          <a:lnRef idx="1">
+            <a:schemeClr val="accent1"/>
+          </a:lnRef>
+          <a:fillRef idx="0">
+            <a:schemeClr val="accent1"/>
+          </a:fillRef>
+          <a:effectRef idx="0">
+            <a:schemeClr val="accent1"/>
+          </a:effectRef>
+          <a:fontRef idx="minor">
+            <a:schemeClr val="tx1"/>
+          </a:fontRef>
+        </p:style>
+      </p:cxnSp>
+      <p:sp>
+        <p:nvSpPr>
+          <p:cNvPr id="56" name="テキスト ボックス 55">
+            <a:extLst>
+              <a:ext uri="{FF2B5EF4-FFF2-40B4-BE49-F238E27FC236}">
+                <a16:creationId xmlns:a16="http://schemas.microsoft.com/office/drawing/2014/main" id="{866E31B0-893A-CC5B-9E1C-D753D8BF8A4F}"/>
+              </a:ext>
+            </a:extLst>
+          </p:cNvPr>
+          <p:cNvSpPr txBox="1"/>
+          <p:nvPr/>
+        </p:nvSpPr>
+        <p:spPr>
+          <a:xfrm>
+            <a:off x="650853" y="6157747"/>
+            <a:ext cx="4693326" cy="338554"/>
+          </a:xfrm>
+          <a:prstGeom prst="rect">
+            <a:avLst/>
+          </a:prstGeom>
+          <a:noFill/>
+          <a:ln>
+            <a:noFill/>
+          </a:ln>
+        </p:spPr>
+        <p:txBody>
+          <a:bodyPr wrap="square" rtlCol="0">
+            <a:spAutoFit/>
+          </a:bodyPr>
+          <a:lstStyle/>
+          <a:p>
+            <a:r>
+              <a:rPr kumimoji="1" lang="en-US" altLang="ja-JP" sz="1600" dirty="0"/>
+              <a:t>…  </a:t>
+            </a:r>
+            <a:r>
+              <a:rPr kumimoji="1" lang="ja-JP" altLang="en-US" sz="1600" dirty="0"/>
+              <a:t>記録する距離</a:t>
+            </a:r>
+          </a:p>
+        </p:txBody>
+      </p:sp>
+      <p:sp>
+        <p:nvSpPr>
+          <p:cNvPr id="58" name="テキスト ボックス 57">
+            <a:extLst>
+              <a:ext uri="{FF2B5EF4-FFF2-40B4-BE49-F238E27FC236}">
+                <a16:creationId xmlns:a16="http://schemas.microsoft.com/office/drawing/2014/main" id="{47A88045-F214-46AC-3764-28321ACDB833}"/>
+              </a:ext>
+            </a:extLst>
+          </p:cNvPr>
+          <p:cNvSpPr txBox="1"/>
+          <p:nvPr/>
+        </p:nvSpPr>
+        <p:spPr>
+          <a:xfrm>
+            <a:off x="9645832" y="3258864"/>
+            <a:ext cx="2006237" cy="338554"/>
+          </a:xfrm>
+          <a:prstGeom prst="rect">
+            <a:avLst/>
+          </a:prstGeom>
+          <a:noFill/>
+          <a:ln>
+            <a:noFill/>
+          </a:ln>
+        </p:spPr>
+        <p:txBody>
+          <a:bodyPr wrap="square" rtlCol="0">
+            <a:spAutoFit/>
+          </a:bodyPr>
+          <a:lstStyle/>
+          <a:p>
+            <a:pPr algn="ctr"/>
+            <a:r>
+              <a:rPr kumimoji="1" lang="ja-JP" altLang="en-US" sz="1600" dirty="0"/>
+              <a:t>拡大した図</a:t>
+            </a:r>
+          </a:p>
+        </p:txBody>
+      </p:sp>
+      <p:sp>
+        <p:nvSpPr>
+          <p:cNvPr id="60" name="テキスト ボックス 59">
+            <a:extLst>
+              <a:ext uri="{FF2B5EF4-FFF2-40B4-BE49-F238E27FC236}">
+                <a16:creationId xmlns:a16="http://schemas.microsoft.com/office/drawing/2014/main" id="{F05A1F6A-3DDC-2827-DEF2-DB855B67F754}"/>
+              </a:ext>
+            </a:extLst>
+          </p:cNvPr>
+          <p:cNvSpPr txBox="1"/>
+          <p:nvPr/>
+        </p:nvSpPr>
+        <p:spPr>
+          <a:xfrm>
+            <a:off x="2428389" y="4125425"/>
+            <a:ext cx="1798793" cy="153888"/>
           </a:xfrm>
           <a:prstGeom prst="rect">
             <a:avLst/>
@@ -8780,242 +11007,58 @@
           <a:noFill/>
         </p:spPr>
         <p:txBody>
-          <a:bodyPr wrap="square" rtlCol="0">
+          <a:bodyPr wrap="square">
             <a:spAutoFit/>
           </a:bodyPr>
           <a:lstStyle/>
           <a:p>
             <a:r>
-              <a:rPr lang="ja-JP" altLang="en-US" sz="4000" dirty="0"/>
-              <a:t>異常スコア　　高いほど異常</a:t>
-            </a:r>
-            <a:endParaRPr lang="en-JP" sz="2800" dirty="0"/>
+              <a:rPr lang="ja-JP" altLang="en-US" sz="400" dirty="0">
+                <a:hlinkClick r:id="rId9"/>
+              </a:rPr>
+              <a:t>https://monoist.itmedia.co.jp/mn/articles/1511/30/news016_2.html</a:t>
+            </a:r>
+            <a:endParaRPr lang="en-US" altLang="ja-JP" sz="400" dirty="0"/>
           </a:p>
         </p:txBody>
       </p:sp>
-      <p:grpSp>
-        <p:nvGrpSpPr>
-          <p:cNvPr id="7" name="グループ化 6">
+      <p:sp>
+        <p:nvSpPr>
+          <p:cNvPr id="61" name="正方形/長方形 60">
             <a:extLst>
               <a:ext uri="{FF2B5EF4-FFF2-40B4-BE49-F238E27FC236}">
-                <a16:creationId xmlns:a16="http://schemas.microsoft.com/office/drawing/2014/main" id="{BAF490DC-9D60-8748-E2B9-18BD2FD3DF18}"/>
+                <a16:creationId xmlns:a16="http://schemas.microsoft.com/office/drawing/2014/main" id="{DDF13E68-6D1F-5B0E-C245-DE86630F6F0C}"/>
               </a:ext>
             </a:extLst>
           </p:cNvPr>
-          <p:cNvGrpSpPr/>
+          <p:cNvSpPr/>
           <p:nvPr/>
-        </p:nvGrpSpPr>
-        <p:grpSpPr>
+        </p:nvSpPr>
+        <p:spPr>
           <a:xfrm>
-            <a:off x="140676" y="1300784"/>
-            <a:ext cx="11896425" cy="3748415"/>
-            <a:chOff x="140676" y="1300784"/>
-            <a:chExt cx="11896425" cy="3748415"/>
+            <a:off x="7167762" y="6127225"/>
+            <a:ext cx="3505476" cy="153888"/>
           </a:xfrm>
-        </p:grpSpPr>
-        <mc:AlternateContent xmlns:mc="http://schemas.openxmlformats.org/markup-compatibility/2006">
-          <mc:Choice xmlns:a14="http://schemas.microsoft.com/office/drawing/2010/main" Requires="a14">
-            <p:sp>
-              <p:nvSpPr>
-                <p:cNvPr id="5" name="テキスト ボックス 4">
-                  <a:extLst>
-                    <a:ext uri="{FF2B5EF4-FFF2-40B4-BE49-F238E27FC236}">
-                      <a16:creationId xmlns:a16="http://schemas.microsoft.com/office/drawing/2014/main" id="{F1294C82-2161-45CA-B213-05280E7C32ED}"/>
-                    </a:ext>
-                  </a:extLst>
-                </p:cNvPr>
-                <p:cNvSpPr txBox="1"/>
-                <p:nvPr/>
-              </p:nvSpPr>
-              <p:spPr>
-                <a:xfrm>
-                  <a:off x="140676" y="1300784"/>
-                  <a:ext cx="11896425" cy="1945789"/>
-                </a:xfrm>
-                <a:prstGeom prst="rect">
-                  <a:avLst/>
-                </a:prstGeom>
-                <a:noFill/>
-              </p:spPr>
-              <p:txBody>
-                <a:bodyPr wrap="square" rtlCol="0">
-                  <a:spAutoFit/>
-                </a:bodyPr>
-                <a:lstStyle/>
-                <a:p>
-                  <a:r>
-                    <a:rPr lang="ja-JP" altLang="en-US" sz="2400" dirty="0"/>
-                    <a:t>流れ</a:t>
-                  </a:r>
-                  <a:endParaRPr lang="en-US" altLang="ja-JP" sz="2400" dirty="0"/>
-                </a:p>
-                <a:p>
-                  <a:r>
-                    <a:rPr lang="ja-JP" altLang="en-US" sz="2000" dirty="0"/>
-                    <a:t>テスト画像の各パッチベクトルに一番似ているパッチベクトルを</a:t>
-                  </a:r>
-                  <a14:m>
-                    <m:oMath xmlns:m="http://schemas.openxmlformats.org/officeDocument/2006/math">
-                      <m:r>
-                        <a:rPr lang="en-US" altLang="ja-JP" sz="2000" i="1" dirty="0">
-                          <a:latin typeface="Cambria Math" panose="02040503050406030204" pitchFamily="18" charset="0"/>
-                        </a:rPr>
-                        <m:t>𝑀</m:t>
-                      </m:r>
-                      <m:r>
-                        <a:rPr lang="ja-JP" altLang="en-US" sz="2000" i="1" dirty="0" smtClean="0">
-                          <a:latin typeface="Cambria Math" panose="02040503050406030204" pitchFamily="18" charset="0"/>
-                        </a:rPr>
-                        <m:t>から</m:t>
-                      </m:r>
-                    </m:oMath>
-                  </a14:m>
-                  <a:r>
-                    <a:rPr lang="ja-JP" altLang="en-US" sz="2000" dirty="0"/>
-                    <a:t>探し、それらの距離を記録。</a:t>
-                  </a:r>
-                  <a:endParaRPr lang="en-US" altLang="ja-JP" sz="2000" dirty="0"/>
-                </a:p>
-                <a:p>
-                  <a:r>
-                    <a:rPr lang="ja-JP" altLang="en-US" sz="2000" dirty="0"/>
-                    <a:t>記録した距離のうち、最大のものを異常スコアの素</a:t>
-                  </a:r>
-                  <a14:m>
-                    <m:oMath xmlns:m="http://schemas.openxmlformats.org/officeDocument/2006/math">
-                      <m:sSup>
-                        <m:sSupPr>
-                          <m:ctrlPr>
-                            <a:rPr lang="en-US" altLang="ja-JP" sz="2000" i="1">
-                              <a:latin typeface="Cambria Math" panose="02040503050406030204" pitchFamily="18" charset="0"/>
-                            </a:rPr>
-                          </m:ctrlPr>
-                        </m:sSupPr>
-                        <m:e>
-                          <m:r>
-                            <a:rPr lang="en-US" altLang="ja-JP" sz="2000" b="0" i="1" smtClean="0">
-                              <a:latin typeface="Cambria Math" panose="02040503050406030204" pitchFamily="18" charset="0"/>
-                            </a:rPr>
-                            <m:t> </m:t>
-                          </m:r>
-                          <m:r>
-                            <a:rPr lang="en-US" altLang="ja-JP" sz="2000" i="1">
-                              <a:latin typeface="Cambria Math" panose="02040503050406030204" pitchFamily="18" charset="0"/>
-                            </a:rPr>
-                            <m:t>𝑠</m:t>
-                          </m:r>
-                        </m:e>
-                        <m:sup>
-                          <m:r>
-                            <a:rPr lang="en-US" altLang="ja-JP" sz="2000" i="1">
-                              <a:latin typeface="Cambria Math" panose="02040503050406030204" pitchFamily="18" charset="0"/>
-                            </a:rPr>
-                            <m:t>∗</m:t>
-                          </m:r>
-                        </m:sup>
-                      </m:sSup>
-                    </m:oMath>
-                  </a14:m>
-                  <a:r>
-                    <a:rPr lang="ja-JP" altLang="en-US" sz="2000" dirty="0"/>
-                    <a:t>として採用。</a:t>
-                  </a:r>
-                  <a:endParaRPr lang="en-US" altLang="ja-JP" sz="2000" dirty="0"/>
-                </a:p>
-                <a:p>
-                  <a:endParaRPr lang="en-US" altLang="ja-JP" dirty="0"/>
-                </a:p>
-                <a:p>
-                  <a:endParaRPr lang="ja-JP" altLang="en-US" dirty="0"/>
-                </a:p>
-                <a:p>
-                  <a:endParaRPr lang="en-US" altLang="ja-JP" dirty="0"/>
-                </a:p>
-              </p:txBody>
-            </p:sp>
-          </mc:Choice>
-          <mc:Fallback>
-            <p:sp>
-              <p:nvSpPr>
-                <p:cNvPr id="5" name="テキスト ボックス 4">
-                  <a:extLst>
-                    <a:ext uri="{FF2B5EF4-FFF2-40B4-BE49-F238E27FC236}">
-                      <a16:creationId xmlns:a16="http://schemas.microsoft.com/office/drawing/2014/main" id="{F1294C82-2161-45CA-B213-05280E7C32ED}"/>
-                    </a:ext>
-                  </a:extLst>
-                </p:cNvPr>
-                <p:cNvSpPr txBox="1">
-                  <a:spLocks noRot="1" noChangeAspect="1" noMove="1" noResize="1" noEditPoints="1" noAdjustHandles="1" noChangeArrowheads="1" noChangeShapeType="1" noTextEdit="1"/>
-                </p:cNvSpPr>
-                <p:nvPr/>
-              </p:nvSpPr>
-              <p:spPr>
-                <a:xfrm>
-                  <a:off x="140676" y="1300784"/>
-                  <a:ext cx="11896425" cy="1945789"/>
-                </a:xfrm>
-                <a:prstGeom prst="rect">
-                  <a:avLst/>
-                </a:prstGeom>
-                <a:blipFill>
-                  <a:blip r:embed="rId3"/>
-                  <a:stretch>
-                    <a:fillRect l="-768" t="-2500"/>
-                  </a:stretch>
-                </a:blipFill>
-              </p:spPr>
-              <p:txBody>
-                <a:bodyPr/>
-                <a:lstStyle/>
-                <a:p>
-                  <a:r>
-                    <a:rPr lang="ja-JP" altLang="en-US">
-                      <a:noFill/>
-                    </a:rPr>
-                    <a:t> </a:t>
-                  </a:r>
-                </a:p>
-              </p:txBody>
-            </p:sp>
-          </mc:Fallback>
-        </mc:AlternateContent>
-        <p:pic>
-          <p:nvPicPr>
-            <p:cNvPr id="6" name="図 5">
-              <a:extLst>
-                <a:ext uri="{FF2B5EF4-FFF2-40B4-BE49-F238E27FC236}">
-                  <a16:creationId xmlns:a16="http://schemas.microsoft.com/office/drawing/2014/main" id="{4D647855-77A9-5B4B-8871-E21FD1FA23B8}"/>
-                </a:ext>
-              </a:extLst>
-            </p:cNvPr>
-            <p:cNvPicPr>
-              <a:picLocks noChangeAspect="1"/>
-            </p:cNvPicPr>
-            <p:nvPr/>
-          </p:nvPicPr>
-          <p:blipFill>
-            <a:blip r:embed="rId4">
-              <a:extLst>
-                <a:ext uri="{28A0092B-C50C-407E-A947-70E740481C1C}">
-                  <a14:useLocalDpi xmlns:a14="http://schemas.microsoft.com/office/drawing/2010/main" val="0"/>
-                </a:ext>
-              </a:extLst>
-            </a:blip>
-            <a:stretch>
-              <a:fillRect/>
-            </a:stretch>
-          </p:blipFill>
-          <p:spPr>
-            <a:xfrm>
-              <a:off x="2516650" y="3532416"/>
-              <a:ext cx="7144476" cy="1516783"/>
-            </a:xfrm>
-            <a:prstGeom prst="rect">
-              <a:avLst/>
-            </a:prstGeom>
-          </p:spPr>
-        </p:pic>
-      </p:grpSp>
+          <a:prstGeom prst="rect">
+            <a:avLst/>
+          </a:prstGeom>
+        </p:spPr>
+        <p:txBody>
+          <a:bodyPr wrap="square">
+            <a:spAutoFit/>
+          </a:bodyPr>
+          <a:lstStyle/>
+          <a:p>
+            <a:r>
+              <a:rPr lang="ja-JP" altLang="en-US" sz="400" dirty="0">
+                <a:hlinkClick r:id="rId10"/>
+              </a:rPr>
+              <a:t>https://qiita.com/makotoito/items/c58ebf12f5f179950e68</a:t>
+            </a:r>
+            <a:endParaRPr lang="en-US" altLang="ja-JP" sz="400" dirty="0"/>
+          </a:p>
+        </p:txBody>
+      </p:sp>
     </p:spTree>
     <p:extLst>
       <p:ext uri="{BB962C8B-B14F-4D97-AF65-F5344CB8AC3E}">
@@ -9064,44 +11107,102 @@
           <a:chExt cx="0" cy="0"/>
         </a:xfrm>
       </p:grpSpPr>
-      <p:sp>
-        <p:nvSpPr>
-          <p:cNvPr id="4" name="TextBox 3">
-            <a:extLst>
-              <a:ext uri="{FF2B5EF4-FFF2-40B4-BE49-F238E27FC236}">
-                <a16:creationId xmlns:a16="http://schemas.microsoft.com/office/drawing/2014/main" id="{D872F65E-0398-7967-E046-F86581C05ED0}"/>
-              </a:ext>
-            </a:extLst>
-          </p:cNvPr>
-          <p:cNvSpPr txBox="1"/>
-          <p:nvPr/>
-        </p:nvSpPr>
-        <p:spPr>
-          <a:xfrm>
-            <a:off x="449017" y="269481"/>
-            <a:ext cx="9263394" cy="707886"/>
-          </a:xfrm>
-          <a:prstGeom prst="rect">
-            <a:avLst/>
-          </a:prstGeom>
-          <a:noFill/>
-        </p:spPr>
-        <p:txBody>
-          <a:bodyPr wrap="square" rtlCol="0">
-            <a:spAutoFit/>
-          </a:bodyPr>
-          <a:lstStyle/>
-          <a:p>
-            <a:r>
-              <a:rPr lang="ja-JP" altLang="en-US" sz="4000" dirty="0"/>
-              <a:t>異常スコア</a:t>
-            </a:r>
-            <a:endParaRPr lang="en-JP" sz="2800" dirty="0"/>
-          </a:p>
-        </p:txBody>
-      </p:sp>
-      <mc:AlternateContent xmlns:mc="http://schemas.openxmlformats.org/markup-compatibility/2006">
-        <mc:Choice xmlns:a14="http://schemas.microsoft.com/office/drawing/2010/main" Requires="a14">
+      <mc:AlternateContent xmlns:mc="http://schemas.openxmlformats.org/markup-compatibility/2006" xmlns:a14="http://schemas.microsoft.com/office/drawing/2010/main">
+        <mc:Choice Requires="a14">
+          <p:sp>
+            <p:nvSpPr>
+              <p:cNvPr id="4" name="TextBox 3">
+                <a:extLst>
+                  <a:ext uri="{FF2B5EF4-FFF2-40B4-BE49-F238E27FC236}">
+                    <a16:creationId xmlns:a16="http://schemas.microsoft.com/office/drawing/2014/main" id="{D872F65E-0398-7967-E046-F86581C05ED0}"/>
+                  </a:ext>
+                </a:extLst>
+              </p:cNvPr>
+              <p:cNvSpPr txBox="1"/>
+              <p:nvPr/>
+            </p:nvSpPr>
+            <p:spPr>
+              <a:xfrm>
+                <a:off x="449017" y="269481"/>
+                <a:ext cx="9263394" cy="707886"/>
+              </a:xfrm>
+              <a:prstGeom prst="rect">
+                <a:avLst/>
+              </a:prstGeom>
+              <a:noFill/>
+            </p:spPr>
+            <p:txBody>
+              <a:bodyPr wrap="square" rtlCol="0">
+                <a:spAutoFit/>
+              </a:bodyPr>
+              <a:lstStyle/>
+              <a:p>
+                <a:r>
+                  <a:rPr lang="ja-JP" altLang="en-US" sz="4000" dirty="0"/>
+                  <a:t>異常スコア</a:t>
+                </a:r>
+                <a14:m>
+                  <m:oMath xmlns:m="http://schemas.openxmlformats.org/officeDocument/2006/math">
+                    <m:r>
+                      <a:rPr lang="en-US" altLang="ja-JP" sz="4000" b="0" i="1">
+                        <a:latin typeface="Cambria Math" panose="02040503050406030204" pitchFamily="18" charset="0"/>
+                      </a:rPr>
+                      <m:t>𝑠</m:t>
+                    </m:r>
+                  </m:oMath>
+                </a14:m>
+                <a:endParaRPr lang="en-JP" sz="4000" i="1" dirty="0"/>
+              </a:p>
+            </p:txBody>
+          </p:sp>
+        </mc:Choice>
+        <mc:Fallback xmlns="">
+          <p:sp>
+            <p:nvSpPr>
+              <p:cNvPr id="4" name="TextBox 3">
+                <a:extLst>
+                  <a:ext uri="{FF2B5EF4-FFF2-40B4-BE49-F238E27FC236}">
+                    <a16:creationId xmlns:a16="http://schemas.microsoft.com/office/drawing/2014/main" id="{D872F65E-0398-7967-E046-F86581C05ED0}"/>
+                  </a:ext>
+                </a:extLst>
+              </p:cNvPr>
+              <p:cNvSpPr txBox="1">
+                <a:spLocks noRot="1" noChangeAspect="1" noMove="1" noResize="1" noEditPoints="1" noAdjustHandles="1" noChangeArrowheads="1" noChangeShapeType="1" noTextEdit="1"/>
+              </p:cNvSpPr>
+              <p:nvPr/>
+            </p:nvSpPr>
+            <p:spPr>
+              <a:xfrm>
+                <a:off x="449017" y="269481"/>
+                <a:ext cx="9263394" cy="707886"/>
+              </a:xfrm>
+              <a:prstGeom prst="rect">
+                <a:avLst/>
+              </a:prstGeom>
+              <a:blipFill>
+                <a:blip r:embed="rId3"/>
+                <a:stretch>
+                  <a:fillRect l="-2370" t="-15517" b="-36207"/>
+                </a:stretch>
+              </a:blipFill>
+            </p:spPr>
+            <p:txBody>
+              <a:bodyPr/>
+              <a:lstStyle/>
+              <a:p>
+                <a:r>
+                  <a:rPr lang="ja-JP" altLang="en-US">
+                    <a:noFill/>
+                  </a:rPr>
+                  <a:t> </a:t>
+                </a:r>
+              </a:p>
+            </p:txBody>
+          </p:sp>
+        </mc:Fallback>
+      </mc:AlternateContent>
+      <mc:AlternateContent xmlns:mc="http://schemas.openxmlformats.org/markup-compatibility/2006" xmlns:a14="http://schemas.microsoft.com/office/drawing/2010/main">
+        <mc:Choice Requires="a14">
           <p:sp>
             <p:nvSpPr>
               <p:cNvPr id="2" name="テキスト ボックス 1">
@@ -9116,7 +11217,7 @@
             </p:nvSpPr>
             <p:spPr>
               <a:xfrm>
-                <a:off x="235657" y="1351508"/>
+                <a:off x="425998" y="3165342"/>
                 <a:ext cx="10568354" cy="3547574"/>
               </a:xfrm>
               <a:prstGeom prst="rect">
@@ -9507,7 +11608,7 @@
             </p:txBody>
           </p:sp>
         </mc:Choice>
-        <mc:Fallback>
+        <mc:Fallback xmlns="">
           <p:sp>
             <p:nvSpPr>
               <p:cNvPr id="2" name="テキスト ボックス 1">
@@ -9524,16 +11625,16 @@
             </p:nvSpPr>
             <p:spPr>
               <a:xfrm>
-                <a:off x="235657" y="1351508"/>
+                <a:off x="425998" y="3165342"/>
                 <a:ext cx="10568354" cy="3547574"/>
               </a:xfrm>
               <a:prstGeom prst="rect">
                 <a:avLst/>
               </a:prstGeom>
               <a:blipFill>
-                <a:blip r:embed="rId3"/>
+                <a:blip r:embed="rId4"/>
                 <a:stretch>
-                  <a:fillRect l="-923" t="-1375" r="-2654" b="-859"/>
+                  <a:fillRect l="-923" t="-1375" r="-2595" b="-859"/>
                 </a:stretch>
               </a:blipFill>
             </p:spPr>
@@ -9567,7 +11668,7 @@
           <p:nvPr/>
         </p:nvPicPr>
         <p:blipFill>
-          <a:blip r:embed="rId4">
+          <a:blip r:embed="rId5">
             <a:extLst>
               <a:ext uri="{28A0092B-C50C-407E-A947-70E740481C1C}">
                 <a14:useLocalDpi xmlns:a14="http://schemas.microsoft.com/office/drawing/2010/main" val="0"/>
@@ -9580,7 +11681,7 @@
         </p:blipFill>
         <p:spPr>
           <a:xfrm>
-            <a:off x="1634953" y="4806765"/>
+            <a:off x="1249128" y="1334360"/>
             <a:ext cx="8922094" cy="1894174"/>
           </a:xfrm>
           <a:prstGeom prst="rect">
@@ -9714,42 +11815,100 @@
           </a:p>
         </p:txBody>
       </p:sp>
-      <p:sp>
-        <p:nvSpPr>
-          <p:cNvPr id="4" name="TextBox 3">
-            <a:extLst>
-              <a:ext uri="{FF2B5EF4-FFF2-40B4-BE49-F238E27FC236}">
-                <a16:creationId xmlns:a16="http://schemas.microsoft.com/office/drawing/2014/main" id="{A9B35D72-9CEC-243F-A580-CA8F9E9DA673}"/>
-              </a:ext>
-            </a:extLst>
-          </p:cNvPr>
-          <p:cNvSpPr txBox="1"/>
-          <p:nvPr/>
-        </p:nvSpPr>
-        <p:spPr>
-          <a:xfrm>
-            <a:off x="449017" y="269481"/>
-            <a:ext cx="9263394" cy="707886"/>
-          </a:xfrm>
-          <a:prstGeom prst="rect">
-            <a:avLst/>
-          </a:prstGeom>
-          <a:noFill/>
-        </p:spPr>
-        <p:txBody>
-          <a:bodyPr wrap="square" rtlCol="0">
-            <a:spAutoFit/>
-          </a:bodyPr>
-          <a:lstStyle/>
-          <a:p>
-            <a:r>
-              <a:rPr lang="ja-JP" altLang="en-US" sz="4000" dirty="0"/>
-              <a:t>異常スコア</a:t>
-            </a:r>
-            <a:endParaRPr lang="en-JP" sz="2800" dirty="0"/>
-          </a:p>
-        </p:txBody>
-      </p:sp>
+      <mc:AlternateContent xmlns:mc="http://schemas.openxmlformats.org/markup-compatibility/2006" xmlns:a14="http://schemas.microsoft.com/office/drawing/2010/main">
+        <mc:Choice Requires="a14">
+          <p:sp>
+            <p:nvSpPr>
+              <p:cNvPr id="4" name="TextBox 3">
+                <a:extLst>
+                  <a:ext uri="{FF2B5EF4-FFF2-40B4-BE49-F238E27FC236}">
+                    <a16:creationId xmlns:a16="http://schemas.microsoft.com/office/drawing/2014/main" id="{A9B35D72-9CEC-243F-A580-CA8F9E9DA673}"/>
+                  </a:ext>
+                </a:extLst>
+              </p:cNvPr>
+              <p:cNvSpPr txBox="1"/>
+              <p:nvPr/>
+            </p:nvSpPr>
+            <p:spPr>
+              <a:xfrm>
+                <a:off x="449017" y="269481"/>
+                <a:ext cx="9263394" cy="707886"/>
+              </a:xfrm>
+              <a:prstGeom prst="rect">
+                <a:avLst/>
+              </a:prstGeom>
+              <a:noFill/>
+            </p:spPr>
+            <p:txBody>
+              <a:bodyPr wrap="square" rtlCol="0">
+                <a:spAutoFit/>
+              </a:bodyPr>
+              <a:lstStyle/>
+              <a:p>
+                <a:r>
+                  <a:rPr lang="ja-JP" altLang="en-US" sz="4000" dirty="0"/>
+                  <a:t>異常スコア</a:t>
+                </a:r>
+                <a14:m>
+                  <m:oMath xmlns:m="http://schemas.openxmlformats.org/officeDocument/2006/math">
+                    <m:r>
+                      <a:rPr lang="en-US" altLang="ja-JP" sz="4000" i="1">
+                        <a:latin typeface="Cambria Math" panose="02040503050406030204" pitchFamily="18" charset="0"/>
+                      </a:rPr>
+                      <m:t>𝑠</m:t>
+                    </m:r>
+                  </m:oMath>
+                </a14:m>
+                <a:endParaRPr lang="en-JP" sz="4000" dirty="0"/>
+              </a:p>
+            </p:txBody>
+          </p:sp>
+        </mc:Choice>
+        <mc:Fallback xmlns="">
+          <p:sp>
+            <p:nvSpPr>
+              <p:cNvPr id="4" name="TextBox 3">
+                <a:extLst>
+                  <a:ext uri="{FF2B5EF4-FFF2-40B4-BE49-F238E27FC236}">
+                    <a16:creationId xmlns:a16="http://schemas.microsoft.com/office/drawing/2014/main" id="{A9B35D72-9CEC-243F-A580-CA8F9E9DA673}"/>
+                  </a:ext>
+                </a:extLst>
+              </p:cNvPr>
+              <p:cNvSpPr txBox="1">
+                <a:spLocks noRot="1" noChangeAspect="1" noMove="1" noResize="1" noEditPoints="1" noAdjustHandles="1" noChangeArrowheads="1" noChangeShapeType="1" noTextEdit="1"/>
+              </p:cNvSpPr>
+              <p:nvPr/>
+            </p:nvSpPr>
+            <p:spPr>
+              <a:xfrm>
+                <a:off x="449017" y="269481"/>
+                <a:ext cx="9263394" cy="707886"/>
+              </a:xfrm>
+              <a:prstGeom prst="rect">
+                <a:avLst/>
+              </a:prstGeom>
+              <a:blipFill>
+                <a:blip r:embed="rId3"/>
+                <a:stretch>
+                  <a:fillRect l="-2370" t="-15517" b="-36207"/>
+                </a:stretch>
+              </a:blipFill>
+            </p:spPr>
+            <p:txBody>
+              <a:bodyPr/>
+              <a:lstStyle/>
+              <a:p>
+                <a:r>
+                  <a:rPr lang="ja-JP" altLang="en-US">
+                    <a:noFill/>
+                  </a:rPr>
+                  <a:t> </a:t>
+                </a:r>
+              </a:p>
+            </p:txBody>
+          </p:sp>
+        </mc:Fallback>
+      </mc:AlternateContent>
       <p:grpSp>
         <p:nvGrpSpPr>
           <p:cNvPr id="9" name="グループ化 8">
@@ -9785,7 +11944,7 @@
             <p:nvPr/>
           </p:nvPicPr>
           <p:blipFill>
-            <a:blip r:embed="rId3">
+            <a:blip r:embed="rId4">
               <a:extLst>
                 <a:ext uri="{28A0092B-C50C-407E-A947-70E740481C1C}">
                   <a14:useLocalDpi xmlns:a14="http://schemas.microsoft.com/office/drawing/2010/main" val="0"/>
@@ -9859,20 +12018,19 @@
           </p:cNvPr>
           <p:cNvCxnSpPr>
             <a:cxnSpLocks/>
-            <a:stCxn id="18" idx="3"/>
-            <a:endCxn id="8" idx="2"/>
+            <a:endCxn id="18" idx="3"/>
           </p:cNvCxnSpPr>
           <p:nvPr/>
         </p:nvCxnSpPr>
         <p:spPr>
-          <a:xfrm flipH="1" flipV="1">
-            <a:off x="6096000" y="3077903"/>
-            <a:ext cx="1351423" cy="1326742"/>
+          <a:xfrm rot="16200000" flipH="1">
+            <a:off x="6071499" y="3241967"/>
+            <a:ext cx="1283632" cy="1041724"/>
           </a:xfrm>
           <a:prstGeom prst="curvedConnector4">
             <a:avLst>
-              <a:gd name="adj1" fmla="val -222050"/>
-              <a:gd name="adj2" fmla="val 63128"/>
+              <a:gd name="adj1" fmla="val 15878"/>
+              <a:gd name="adj2" fmla="val 254166"/>
             </a:avLst>
           </a:prstGeom>
           <a:ln w="76200">
@@ -9915,9 +12073,9 @@
         <p:grpSpPr>
           <a:xfrm>
             <a:off x="171299" y="3736987"/>
-            <a:ext cx="11165952" cy="2909627"/>
+            <a:ext cx="11165952" cy="2601851"/>
             <a:chOff x="140677" y="1233716"/>
-            <a:chExt cx="11165952" cy="2909627"/>
+            <a:chExt cx="11165952" cy="2601851"/>
           </a:xfrm>
         </p:grpSpPr>
         <mc:AlternateContent xmlns:mc="http://schemas.openxmlformats.org/markup-compatibility/2006">
@@ -9937,7 +12095,7 @@
               <p:spPr>
                 <a:xfrm>
                   <a:off x="140677" y="1373354"/>
-                  <a:ext cx="11165952" cy="2769989"/>
+                  <a:ext cx="11165952" cy="2462213"/>
                 </a:xfrm>
                 <a:prstGeom prst="rect">
                   <a:avLst/>
@@ -9955,16 +12113,71 @@
                     <a:t>・</a:t>
                   </a:r>
                   <a:r>
+                    <a:rPr lang="en-US" altLang="ja-JP" dirty="0"/>
+                    <a:t> </a:t>
+                  </a:r>
+                  <a14:m>
+                    <m:oMath xmlns:m="http://schemas.openxmlformats.org/officeDocument/2006/math">
+                      <m:sSup>
+                        <m:sSupPr>
+                          <m:ctrlPr>
+                            <a:rPr lang="en-US" altLang="ja-JP" i="1">
+                              <a:latin typeface="Cambria Math" panose="02040503050406030204" pitchFamily="18" charset="0"/>
+                            </a:rPr>
+                          </m:ctrlPr>
+                        </m:sSupPr>
+                        <m:e>
+                          <m:r>
+                            <a:rPr lang="en-US" altLang="ja-JP" i="1">
+                              <a:latin typeface="Cambria Math" panose="02040503050406030204" pitchFamily="18" charset="0"/>
+                            </a:rPr>
+                            <m:t>𝑚</m:t>
+                          </m:r>
+                        </m:e>
+                        <m:sup>
+                          <m:r>
+                            <a:rPr lang="en-US" altLang="ja-JP" i="1">
+                              <a:latin typeface="Cambria Math" panose="02040503050406030204" pitchFamily="18" charset="0"/>
+                            </a:rPr>
+                            <m:t>∗</m:t>
+                          </m:r>
+                        </m:sup>
+                      </m:sSup>
+                    </m:oMath>
+                  </a14:m>
+                  <a:r>
+                    <a:rPr lang="ja-JP" altLang="en-US" dirty="0"/>
+                    <a:t>が</a:t>
+                  </a:r>
+                  <a14:m>
+                    <m:oMath xmlns:m="http://schemas.openxmlformats.org/officeDocument/2006/math">
+                      <m:r>
+                        <a:rPr lang="en-US" altLang="ja-JP" i="1">
+                          <a:latin typeface="Cambria Math" panose="02040503050406030204" pitchFamily="18" charset="0"/>
+                        </a:rPr>
+                        <m:t>𝑚</m:t>
+                      </m:r>
+                    </m:oMath>
+                  </a14:m>
+                  <a:r>
                     <a:rPr lang="ja-JP" altLang="en-US" sz="2000" dirty="0"/>
-                    <a:t>稀なケース </a:t>
+                    <a:t>と近いケース ⇒スコアを維持</a:t>
                   </a:r>
                   <a:r>
                     <a:rPr lang="en-US" altLang="ja-JP" sz="2000" dirty="0"/>
-                    <a:t>= </a:t>
+                    <a:t>(</a:t>
                   </a:r>
                   <a:r>
                     <a:rPr lang="ja-JP" altLang="en-US" sz="2000" dirty="0"/>
-                    <a:t>スコアを維持。</a:t>
+                    <a:t>ほとんど減衰なし</a:t>
+                  </a:r>
+                  <a:r>
+                    <a:rPr lang="en-US" altLang="ja-JP" sz="2000" dirty="0"/>
+                    <a:t>)</a:t>
+                  </a:r>
+                  <a:r>
+                    <a:rPr lang="ja-JP" altLang="en-US" sz="2000" dirty="0"/>
+                    <a:t>。</a:t>
                   </a:r>
                   <a:endParaRPr lang="en-US" altLang="ja-JP" sz="2000" dirty="0"/>
                 </a:p>
@@ -9977,36 +12190,62 @@
                     <a:t>・</a:t>
                   </a:r>
                   <a:r>
-                    <a:rPr lang="ja-JP" altLang="en-US" sz="2000" dirty="0"/>
-                    <a:t>よくあるケース </a:t>
+                    <a:rPr lang="en-US" altLang="ja-JP" sz="2000" dirty="0"/>
+                    <a:t> </a:t>
                   </a:r>
+                  <a14:m>
+                    <m:oMath xmlns:m="http://schemas.openxmlformats.org/officeDocument/2006/math">
+                      <m:sSup>
+                        <m:sSupPr>
+                          <m:ctrlPr>
+                            <a:rPr lang="en-US" altLang="ja-JP" sz="2000" i="1" smtClean="0">
+                              <a:latin typeface="Cambria Math" panose="02040503050406030204" pitchFamily="18" charset="0"/>
+                            </a:rPr>
+                          </m:ctrlPr>
+                        </m:sSupPr>
+                        <m:e>
+                          <m:r>
+                            <a:rPr lang="en-US" altLang="ja-JP" sz="2000" i="1">
+                              <a:latin typeface="Cambria Math" panose="02040503050406030204" pitchFamily="18" charset="0"/>
+                            </a:rPr>
+                            <m:t>𝑚</m:t>
+                          </m:r>
+                        </m:e>
+                        <m:sup>
+                          <m:r>
+                            <a:rPr lang="en-US" altLang="ja-JP" sz="2000" b="0" i="1" smtClean="0">
+                              <a:latin typeface="Cambria Math" panose="02040503050406030204" pitchFamily="18" charset="0"/>
+                            </a:rPr>
+                            <m:t>∗</m:t>
+                          </m:r>
+                        </m:sup>
+                      </m:sSup>
+                    </m:oMath>
+                  </a14:m>
                   <a:r>
-                    <a:rPr lang="en-US" altLang="ja-JP" sz="2000" dirty="0"/>
-                    <a:t>= </a:t>
+                    <a:rPr lang="ja-JP" altLang="en-US" dirty="0"/>
+                    <a:t>が</a:t>
                   </a:r>
+                  <a14:m>
+                    <m:oMath xmlns:m="http://schemas.openxmlformats.org/officeDocument/2006/math">
+                      <m:r>
+                        <a:rPr lang="en-US" altLang="ja-JP" sz="2000" i="1">
+                          <a:latin typeface="Cambria Math" panose="02040503050406030204" pitchFamily="18" charset="0"/>
+                        </a:rPr>
+                        <m:t>𝑚</m:t>
+                      </m:r>
+                      <m:r>
+                        <a:rPr lang="ja-JP" altLang="en-US" sz="2000" i="1" smtClean="0">
+                          <a:latin typeface="Cambria Math" panose="02040503050406030204" pitchFamily="18" charset="0"/>
+                        </a:rPr>
+                        <m:t>から</m:t>
+                      </m:r>
+                    </m:oMath>
+                  </a14:m>
                   <a:r>
                     <a:rPr lang="ja-JP" altLang="en-US" sz="2000" dirty="0"/>
-                    <a:t>少しだけスコアを減衰 </a:t>
+                    <a:t>遠いケース ⇒スコアを減衰。</a:t>
                   </a:r>
-                  <a:r>
-                    <a:rPr lang="en-US" altLang="ja-JP" sz="2000" dirty="0"/>
-                    <a:t>(</a:t>
-                  </a:r>
-                  <a:r>
-                    <a:rPr lang="ja-JP" altLang="en-US" sz="2000" dirty="0"/>
-                    <a:t>異常度を緩和</a:t>
-                  </a:r>
-                  <a:r>
-                    <a:rPr lang="en-US" altLang="ja-JP" sz="2000" dirty="0"/>
-                    <a:t>)</a:t>
-                  </a:r>
-                  <a:r>
-                    <a:rPr lang="ja-JP" altLang="en-US" sz="2000" dirty="0"/>
-                    <a:t>。</a:t>
-                  </a:r>
-                  <a:endParaRPr lang="en-US" altLang="ja-JP" sz="2000" dirty="0"/>
-                </a:p>
-                <a:p>
                   <a:endParaRPr lang="en-US" altLang="ja-JP" sz="2000" dirty="0"/>
                 </a:p>
                 <a:p>
@@ -10049,23 +12288,15 @@
                   </a14:m>
                   <a:r>
                     <a:rPr lang="en-US" altLang="ja-JP" dirty="0"/>
-                    <a:t>…</a:t>
+                    <a:t>…m*</a:t>
                   </a:r>
-                  <a14:m>
-                    <m:oMath xmlns:m="http://schemas.openxmlformats.org/officeDocument/2006/math">
-                      <m:r>
-                        <a:rPr lang="en-US" altLang="ja-JP" i="1" dirty="0">
-                          <a:latin typeface="Cambria Math" panose="02040503050406030204" pitchFamily="18" charset="0"/>
-                        </a:rPr>
-                        <m:t>𝑀</m:t>
-                      </m:r>
-                    </m:oMath>
-                  </a14:m>
                   <a:r>
                     <a:rPr lang="ja-JP" altLang="en-US" dirty="0"/>
-                    <a:t>の任意の特徴パッチベクトル</a:t>
+                    <a:t> の近傍にいる他の正常パッチベクトル</a:t>
                   </a:r>
-                  <a:endParaRPr lang="en-US" altLang="ja-JP" dirty="0"/>
+                  <a:endParaRPr lang="en-US" altLang="ja-JP" i="1" dirty="0">
+                    <a:latin typeface="Cambria Math" panose="02040503050406030204" pitchFamily="18" charset="0"/>
+                  </a:endParaRPr>
                 </a:p>
                 <a:p>
                   <a14:m>
@@ -10099,11 +12330,11 @@
                   </a14:m>
                   <a:r>
                     <a:rPr lang="en-US" altLang="ja-JP" dirty="0"/>
-                    <a:t>…</a:t>
+                    <a:t>*…</a:t>
                   </a:r>
                   <a:r>
                     <a:rPr lang="ja-JP" altLang="en-US" dirty="0"/>
-                    <a:t>テスト画像内のとある特徴パッチベクトル</a:t>
+                    <a:t>テスト画像内で最も異常らしさを持つ特徴パッチベクトル</a:t>
                   </a:r>
                   <a:endParaRPr lang="en-US" altLang="ja-JP" dirty="0"/>
                 </a:p>
@@ -10128,15 +12359,15 @@
               <p:spPr>
                 <a:xfrm>
                   <a:off x="140677" y="1373354"/>
-                  <a:ext cx="11165952" cy="2769989"/>
+                  <a:ext cx="11165952" cy="2462213"/>
                 </a:xfrm>
                 <a:prstGeom prst="rect">
                   <a:avLst/>
                 </a:prstGeom>
                 <a:blipFill>
-                  <a:blip r:embed="rId4"/>
+                  <a:blip r:embed="rId5"/>
                   <a:stretch>
-                    <a:fillRect l="-546" t="-1322" b="-2863"/>
+                    <a:fillRect l="-546" t="-1485" b="-3218"/>
                   </a:stretch>
                 </a:blipFill>
               </p:spPr>
@@ -10170,7 +12401,7 @@
           <p:spPr>
             <a:xfrm>
               <a:off x="218427" y="1233716"/>
-              <a:ext cx="7198374" cy="1335316"/>
+              <a:ext cx="6985128" cy="1335316"/>
             </a:xfrm>
             <a:prstGeom prst="bracketPair">
               <a:avLst/>
@@ -10215,7 +12446,7 @@
         </p:nvSpPr>
         <p:spPr>
           <a:xfrm>
-            <a:off x="8368282" y="3440991"/>
+            <a:off x="8095146" y="3691958"/>
             <a:ext cx="1489944" cy="369332"/>
           </a:xfrm>
           <a:prstGeom prst="rect">
